--- a/Dokumente/Abschlusspräsentation/Abschlusspräsentation.pptx
+++ b/Dokumente/Abschlusspräsentation/Abschlusspräsentation.pptx
@@ -5,10 +5,10 @@
     <p:sldMasterId id="2147483660" r:id="rId1"/>
   </p:sldMasterIdLst>
   <p:notesMasterIdLst>
-    <p:notesMasterId r:id="rId15"/>
+    <p:notesMasterId r:id="rId17"/>
   </p:notesMasterIdLst>
   <p:handoutMasterIdLst>
-    <p:handoutMasterId r:id="rId16"/>
+    <p:handoutMasterId r:id="rId18"/>
   </p:handoutMasterIdLst>
   <p:sldIdLst>
     <p:sldId id="257" r:id="rId2"/>
@@ -21,9 +21,11 @@
     <p:sldId id="283" r:id="rId9"/>
     <p:sldId id="284" r:id="rId10"/>
     <p:sldId id="286" r:id="rId11"/>
-    <p:sldId id="287" r:id="rId12"/>
-    <p:sldId id="288" r:id="rId13"/>
-    <p:sldId id="275" r:id="rId14"/>
+    <p:sldId id="289" r:id="rId12"/>
+    <p:sldId id="291" r:id="rId13"/>
+    <p:sldId id="292" r:id="rId14"/>
+    <p:sldId id="288" r:id="rId15"/>
+    <p:sldId id="275" r:id="rId16"/>
   </p:sldIdLst>
   <p:sldSz cx="9144000" cy="6858000" type="screen4x3"/>
   <p:notesSz cx="7102475" cy="10234613"/>
@@ -6791,7 +6793,7 @@
           <p:cNvPr id="2" name="Titel 1">
             <a:extLst>
               <a:ext uri="{FF2B5EF4-FFF2-40B4-BE49-F238E27FC236}">
-                <a16:creationId xmlns:a16="http://schemas.microsoft.com/office/drawing/2014/main" id="{86186C7C-1610-4510-9A93-A4A45571B8C6}"/>
+                <a16:creationId xmlns:a16="http://schemas.microsoft.com/office/drawing/2014/main" id="{180AC62C-746C-4628-8735-AE5C65C3867E}"/>
               </a:ext>
             </a:extLst>
           </p:cNvPr>
@@ -6815,30 +6817,46 @@
           </a:p>
         </p:txBody>
       </p:sp>
-      <p:sp>
-        <p:nvSpPr>
-          <p:cNvPr id="3" name="Bildplatzhalter 2">
+      <p:pic>
+        <p:nvPicPr>
+          <p:cNvPr id="11" name="Bildplatzhalter 10">
             <a:extLst>
               <a:ext uri="{FF2B5EF4-FFF2-40B4-BE49-F238E27FC236}">
-                <a16:creationId xmlns:a16="http://schemas.microsoft.com/office/drawing/2014/main" id="{50B64E8D-0375-4C31-9F44-26EC450B8D37}"/>
+                <a16:creationId xmlns:a16="http://schemas.microsoft.com/office/drawing/2014/main" id="{B1863FE2-3775-43A7-B315-80AE184CFF7F}"/>
               </a:ext>
             </a:extLst>
           </p:cNvPr>
-          <p:cNvSpPr>
-            <a:spLocks noGrp="1"/>
-          </p:cNvSpPr>
+          <p:cNvPicPr>
+            <a:picLocks noGrp="1" noChangeAspect="1"/>
+          </p:cNvPicPr>
           <p:nvPr>
             <p:ph type="pic" sz="quarter" idx="13"/>
           </p:nvPr>
-        </p:nvSpPr>
-        <p:spPr/>
-      </p:sp>
+        </p:nvPicPr>
+        <p:blipFill rotWithShape="1">
+          <a:blip r:embed="rId2">
+            <a:extLst>
+              <a:ext uri="{28A0092B-C50C-407E-A947-70E740481C1C}">
+                <a14:useLocalDpi xmlns:a14="http://schemas.microsoft.com/office/drawing/2010/main" val="0"/>
+              </a:ext>
+            </a:extLst>
+          </a:blip>
+          <a:srcRect l="-2" t="1287" r="-232" b="-525"/>
+          <a:stretch/>
+        </p:blipFill>
+        <p:spPr>
+          <a:xfrm>
+            <a:off x="2271609" y="1923788"/>
+            <a:ext cx="4478695" cy="3633817"/>
+          </a:xfrm>
+        </p:spPr>
+      </p:pic>
       <p:sp>
         <p:nvSpPr>
           <p:cNvPr id="4" name="Textplatzhalter 3">
             <a:extLst>
               <a:ext uri="{FF2B5EF4-FFF2-40B4-BE49-F238E27FC236}">
-                <a16:creationId xmlns:a16="http://schemas.microsoft.com/office/drawing/2014/main" id="{050A6DF7-7322-4E48-BE83-8204A0B2ECF7}"/>
+                <a16:creationId xmlns:a16="http://schemas.microsoft.com/office/drawing/2014/main" id="{E8AA3570-B6F8-4DB3-9EA7-E3CD1BC8F3A1}"/>
               </a:ext>
             </a:extLst>
           </p:cNvPr>
@@ -6863,7 +6881,7 @@
           <p:cNvPr id="5" name="Fußzeilenplatzhalter 4">
             <a:extLst>
               <a:ext uri="{FF2B5EF4-FFF2-40B4-BE49-F238E27FC236}">
-                <a16:creationId xmlns:a16="http://schemas.microsoft.com/office/drawing/2014/main" id="{B694E2EE-E53C-48AC-AA6E-89020EDD0E0B}"/>
+                <a16:creationId xmlns:a16="http://schemas.microsoft.com/office/drawing/2014/main" id="{C2849E00-A582-4A12-8010-DEE6EBA67BBF}"/>
               </a:ext>
             </a:extLst>
           </p:cNvPr>
@@ -6892,7 +6910,7 @@
           <p:cNvPr id="6" name="Foliennummernplatzhalter 5">
             <a:extLst>
               <a:ext uri="{FF2B5EF4-FFF2-40B4-BE49-F238E27FC236}">
-                <a16:creationId xmlns:a16="http://schemas.microsoft.com/office/drawing/2014/main" id="{E885BB48-6605-4927-9254-CB88AC4FC392}"/>
+                <a16:creationId xmlns:a16="http://schemas.microsoft.com/office/drawing/2014/main" id="{BA8CC816-9DF0-408B-ACC4-67DDC73005F5}"/>
               </a:ext>
             </a:extLst>
           </p:cNvPr>
@@ -6922,7 +6940,7 @@
           <p:cNvPr id="7" name="Inhaltsplatzhalter 6">
             <a:extLst>
               <a:ext uri="{FF2B5EF4-FFF2-40B4-BE49-F238E27FC236}">
-                <a16:creationId xmlns:a16="http://schemas.microsoft.com/office/drawing/2014/main" id="{8B077077-E188-4338-8F95-454C26DD664B}"/>
+                <a16:creationId xmlns:a16="http://schemas.microsoft.com/office/drawing/2014/main" id="{0AD73AA4-B322-4642-85DF-457569BC6797}"/>
               </a:ext>
             </a:extLst>
           </p:cNvPr>
@@ -6933,19 +6951,30 @@
             <p:ph idx="1"/>
           </p:nvPr>
         </p:nvSpPr>
-        <p:spPr/>
+        <p:spPr>
+          <a:xfrm>
+            <a:off x="609311" y="1218102"/>
+            <a:ext cx="7925378" cy="4150016"/>
+          </a:xfrm>
+        </p:spPr>
         <p:txBody>
           <a:bodyPr/>
           <a:lstStyle/>
           <a:p>
-            <a:endParaRPr lang="de-AT"/>
+            <a:r>
+              <a:rPr lang="de-DE" dirty="0"/>
+              <a:t> Umsetzung mithilfe von Objekten</a:t>
+            </a:r>
+          </a:p>
+          <a:p>
+            <a:endParaRPr lang="de-DE" dirty="0"/>
           </a:p>
         </p:txBody>
       </p:sp>
     </p:spTree>
     <p:extLst>
       <p:ext uri="{BB962C8B-B14F-4D97-AF65-F5344CB8AC3E}">
-        <p14:creationId xmlns:p14="http://schemas.microsoft.com/office/powerpoint/2010/main" val="1560942874"/>
+        <p14:creationId xmlns:p14="http://schemas.microsoft.com/office/powerpoint/2010/main" val="2738468476"/>
       </p:ext>
     </p:extLst>
   </p:cSld>
@@ -6977,7 +7006,7 @@
           <p:cNvPr id="2" name="Titel 1">
             <a:extLst>
               <a:ext uri="{FF2B5EF4-FFF2-40B4-BE49-F238E27FC236}">
-                <a16:creationId xmlns:a16="http://schemas.microsoft.com/office/drawing/2014/main" id="{619EA41A-3C3C-4B2E-AD78-9849C6B5388C}"/>
+                <a16:creationId xmlns:a16="http://schemas.microsoft.com/office/drawing/2014/main" id="{FAB45D5C-C1BE-4635-B801-471CAC664D4A}"/>
               </a:ext>
             </a:extLst>
           </p:cNvPr>
@@ -6988,43 +7017,64 @@
             <p:ph type="title"/>
           </p:nvPr>
         </p:nvSpPr>
-        <p:spPr/>
+        <p:spPr>
+          <a:xfrm>
+            <a:off x="78806" y="141072"/>
+            <a:ext cx="7938194" cy="938696"/>
+          </a:xfrm>
+        </p:spPr>
         <p:txBody>
           <a:bodyPr/>
           <a:lstStyle/>
           <a:p>
             <a:r>
-              <a:rPr lang="de-DE" dirty="0"/>
-              <a:t>Datenspeicherung</a:t>
+              <a:rPr lang="de-DE" dirty="0" err="1"/>
+              <a:t>rmi</a:t>
             </a:r>
             <a:endParaRPr lang="de-AT" dirty="0"/>
           </a:p>
         </p:txBody>
       </p:sp>
-      <p:sp>
-        <p:nvSpPr>
-          <p:cNvPr id="3" name="Bildplatzhalter 2">
+      <p:pic>
+        <p:nvPicPr>
+          <p:cNvPr id="11" name="Bildplatzhalter 10">
             <a:extLst>
               <a:ext uri="{FF2B5EF4-FFF2-40B4-BE49-F238E27FC236}">
-                <a16:creationId xmlns:a16="http://schemas.microsoft.com/office/drawing/2014/main" id="{3417919A-52EE-4E33-9782-C6D0A2B7C879}"/>
+                <a16:creationId xmlns:a16="http://schemas.microsoft.com/office/drawing/2014/main" id="{FC16E580-F8F7-45CD-9D72-F79B7D0364D4}"/>
               </a:ext>
             </a:extLst>
           </p:cNvPr>
-          <p:cNvSpPr>
-            <a:spLocks noGrp="1"/>
-          </p:cNvSpPr>
+          <p:cNvPicPr>
+            <a:picLocks noGrp="1" noChangeAspect="1"/>
+          </p:cNvPicPr>
           <p:nvPr>
             <p:ph type="pic" sz="quarter" idx="13"/>
           </p:nvPr>
-        </p:nvSpPr>
-        <p:spPr/>
-      </p:sp>
-      <p:sp>
-        <p:nvSpPr>
-          <p:cNvPr id="4" name="Textplatzhalter 3">
+        </p:nvPicPr>
+        <p:blipFill rotWithShape="1">
+          <a:blip r:embed="rId2">
+            <a:extLst>
+              <a:ext uri="{28A0092B-C50C-407E-A947-70E740481C1C}">
+                <a14:useLocalDpi xmlns:a14="http://schemas.microsoft.com/office/drawing/2010/main" val="0"/>
+              </a:ext>
+            </a:extLst>
+          </a:blip>
+          <a:srcRect t="2885" b="3095"/>
+          <a:stretch/>
+        </p:blipFill>
+        <p:spPr>
+          <a:xfrm>
+            <a:off x="2190378" y="3012285"/>
+            <a:ext cx="4273303" cy="3650376"/>
+          </a:xfrm>
+        </p:spPr>
+      </p:pic>
+      <p:sp>
+        <p:nvSpPr>
+          <p:cNvPr id="5" name="Fußzeilenplatzhalter 4">
             <a:extLst>
               <a:ext uri="{FF2B5EF4-FFF2-40B4-BE49-F238E27FC236}">
-                <a16:creationId xmlns:a16="http://schemas.microsoft.com/office/drawing/2014/main" id="{5B5C944B-F86B-49FC-A1DE-E7047F7B0341}"/>
+                <a16:creationId xmlns:a16="http://schemas.microsoft.com/office/drawing/2014/main" id="{11AF9462-49BE-4409-BAF9-AEE5297FEE6C}"/>
               </a:ext>
             </a:extLst>
           </p:cNvPr>
@@ -7032,31 +7082,6 @@
             <a:spLocks noGrp="1"/>
           </p:cNvSpPr>
           <p:nvPr>
-            <p:ph type="body" sz="quarter" idx="25"/>
-          </p:nvPr>
-        </p:nvSpPr>
-        <p:spPr/>
-        <p:txBody>
-          <a:bodyPr/>
-          <a:lstStyle/>
-          <a:p>
-            <a:endParaRPr lang="de-AT"/>
-          </a:p>
-        </p:txBody>
-      </p:sp>
-      <p:sp>
-        <p:nvSpPr>
-          <p:cNvPr id="5" name="Fußzeilenplatzhalter 4">
-            <a:extLst>
-              <a:ext uri="{FF2B5EF4-FFF2-40B4-BE49-F238E27FC236}">
-                <a16:creationId xmlns:a16="http://schemas.microsoft.com/office/drawing/2014/main" id="{E07D1BC5-1A3D-449B-B943-8CD7A6E4FCA2}"/>
-              </a:ext>
-            </a:extLst>
-          </p:cNvPr>
-          <p:cNvSpPr>
-            <a:spLocks noGrp="1"/>
-          </p:cNvSpPr>
-          <p:nvPr>
             <p:ph type="ftr" sz="quarter" idx="27"/>
           </p:nvPr>
         </p:nvSpPr>
@@ -7078,7 +7103,7 @@
           <p:cNvPr id="6" name="Foliennummernplatzhalter 5">
             <a:extLst>
               <a:ext uri="{FF2B5EF4-FFF2-40B4-BE49-F238E27FC236}">
-                <a16:creationId xmlns:a16="http://schemas.microsoft.com/office/drawing/2014/main" id="{210A8531-AFFE-4A81-B847-3D3AD344738A}"/>
+                <a16:creationId xmlns:a16="http://schemas.microsoft.com/office/drawing/2014/main" id="{82D1BEC5-D9DD-4B37-BA72-6D57814F735A}"/>
               </a:ext>
             </a:extLst>
           </p:cNvPr>
@@ -7108,7 +7133,7 @@
           <p:cNvPr id="7" name="Inhaltsplatzhalter 6">
             <a:extLst>
               <a:ext uri="{FF2B5EF4-FFF2-40B4-BE49-F238E27FC236}">
-                <a16:creationId xmlns:a16="http://schemas.microsoft.com/office/drawing/2014/main" id="{931D9CC4-325C-480E-8392-345CE1B869D0}"/>
+                <a16:creationId xmlns:a16="http://schemas.microsoft.com/office/drawing/2014/main" id="{E7F6CCD9-29E9-43FB-A7BE-303D59B52180}"/>
               </a:ext>
             </a:extLst>
           </p:cNvPr>
@@ -7119,7 +7144,93 @@
             <p:ph idx="1"/>
           </p:nvPr>
         </p:nvSpPr>
-        <p:spPr/>
+        <p:spPr>
+          <a:xfrm>
+            <a:off x="310861" y="694195"/>
+            <a:ext cx="7925378" cy="4150016"/>
+          </a:xfrm>
+        </p:spPr>
+        <p:txBody>
+          <a:bodyPr/>
+          <a:lstStyle/>
+          <a:p>
+            <a:r>
+              <a:rPr lang="de-DE" dirty="0"/>
+              <a:t>Auswahl RMI bei Programmstart</a:t>
+            </a:r>
+          </a:p>
+          <a:p>
+            <a:endParaRPr lang="de-DE" dirty="0"/>
+          </a:p>
+          <a:p>
+            <a:endParaRPr lang="de-DE" dirty="0"/>
+          </a:p>
+          <a:p>
+            <a:endParaRPr lang="de-DE" dirty="0"/>
+          </a:p>
+          <a:p>
+            <a:r>
+              <a:rPr lang="de-DE" dirty="0"/>
+              <a:t>User Schnittstelle RMI – User Eingaben</a:t>
+            </a:r>
+          </a:p>
+          <a:p>
+            <a:endParaRPr lang="de-AT" dirty="0"/>
+          </a:p>
+        </p:txBody>
+      </p:sp>
+      <p:pic>
+        <p:nvPicPr>
+          <p:cNvPr id="8" name="Grafik 7">
+            <a:extLst>
+              <a:ext uri="{FF2B5EF4-FFF2-40B4-BE49-F238E27FC236}">
+                <a16:creationId xmlns:a16="http://schemas.microsoft.com/office/drawing/2014/main" id="{E2627821-9C50-4D30-9E88-C9A32B6BC3F4}"/>
+              </a:ext>
+            </a:extLst>
+          </p:cNvPr>
+          <p:cNvPicPr>
+            <a:picLocks noChangeAspect="1"/>
+          </p:cNvPicPr>
+          <p:nvPr/>
+        </p:nvPicPr>
+        <p:blipFill>
+          <a:blip r:embed="rId3"/>
+          <a:stretch>
+            <a:fillRect/>
+          </a:stretch>
+        </p:blipFill>
+        <p:spPr>
+          <a:xfrm>
+            <a:off x="2190378" y="1313188"/>
+            <a:ext cx="3442177" cy="1358348"/>
+          </a:xfrm>
+          <a:prstGeom prst="rect">
+            <a:avLst/>
+          </a:prstGeom>
+        </p:spPr>
+      </p:pic>
+      <p:sp>
+        <p:nvSpPr>
+          <p:cNvPr id="12" name="Textplatzhalter 3">
+            <a:extLst>
+              <a:ext uri="{FF2B5EF4-FFF2-40B4-BE49-F238E27FC236}">
+                <a16:creationId xmlns:a16="http://schemas.microsoft.com/office/drawing/2014/main" id="{033F6C21-8884-45E6-87A9-3671BA169AB0}"/>
+              </a:ext>
+            </a:extLst>
+          </p:cNvPr>
+          <p:cNvSpPr>
+            <a:spLocks noGrp="1"/>
+          </p:cNvSpPr>
+          <p:nvPr>
+            <p:ph type="body" sz="quarter" idx="25"/>
+          </p:nvPr>
+        </p:nvSpPr>
+        <p:spPr>
+          <a:xfrm>
+            <a:off x="548268" y="5927411"/>
+            <a:ext cx="7925378" cy="278642"/>
+          </a:xfrm>
+        </p:spPr>
         <p:txBody>
           <a:bodyPr/>
           <a:lstStyle/>
@@ -7131,7 +7242,7 @@
     </p:spTree>
     <p:extLst>
       <p:ext uri="{BB962C8B-B14F-4D97-AF65-F5344CB8AC3E}">
-        <p14:creationId xmlns:p14="http://schemas.microsoft.com/office/powerpoint/2010/main" val="4125992851"/>
+        <p14:creationId xmlns:p14="http://schemas.microsoft.com/office/powerpoint/2010/main" val="2157383241"/>
       </p:ext>
     </p:extLst>
   </p:cSld>
@@ -7160,6 +7271,428 @@
       </p:grpSpPr>
       <p:sp>
         <p:nvSpPr>
+          <p:cNvPr id="2" name="Titel 1">
+            <a:extLst>
+              <a:ext uri="{FF2B5EF4-FFF2-40B4-BE49-F238E27FC236}">
+                <a16:creationId xmlns:a16="http://schemas.microsoft.com/office/drawing/2014/main" id="{A789269A-8351-4535-B5D3-93AABC211D01}"/>
+              </a:ext>
+            </a:extLst>
+          </p:cNvPr>
+          <p:cNvSpPr>
+            <a:spLocks noGrp="1"/>
+          </p:cNvSpPr>
+          <p:nvPr>
+            <p:ph type="title"/>
+          </p:nvPr>
+        </p:nvSpPr>
+        <p:spPr>
+          <a:xfrm>
+            <a:off x="535452" y="833698"/>
+            <a:ext cx="7938194" cy="938696"/>
+          </a:xfrm>
+        </p:spPr>
+        <p:txBody>
+          <a:bodyPr/>
+          <a:lstStyle/>
+          <a:p>
+            <a:r>
+              <a:rPr lang="de-DE" dirty="0"/>
+              <a:t>RMI</a:t>
+            </a:r>
+            <a:endParaRPr lang="de-AT" dirty="0"/>
+          </a:p>
+        </p:txBody>
+      </p:sp>
+      <p:sp>
+        <p:nvSpPr>
+          <p:cNvPr id="3" name="Bildplatzhalter 2">
+            <a:extLst>
+              <a:ext uri="{FF2B5EF4-FFF2-40B4-BE49-F238E27FC236}">
+                <a16:creationId xmlns:a16="http://schemas.microsoft.com/office/drawing/2014/main" id="{E2E210C4-F65A-49DA-B8CD-5DE4D7F98CA0}"/>
+              </a:ext>
+            </a:extLst>
+          </p:cNvPr>
+          <p:cNvSpPr>
+            <a:spLocks noGrp="1"/>
+          </p:cNvSpPr>
+          <p:nvPr>
+            <p:ph type="pic" sz="quarter" idx="13"/>
+          </p:nvPr>
+        </p:nvSpPr>
+        <p:spPr/>
+      </p:sp>
+      <p:sp>
+        <p:nvSpPr>
+          <p:cNvPr id="4" name="Textplatzhalter 3">
+            <a:extLst>
+              <a:ext uri="{FF2B5EF4-FFF2-40B4-BE49-F238E27FC236}">
+                <a16:creationId xmlns:a16="http://schemas.microsoft.com/office/drawing/2014/main" id="{021B1EAA-771F-4306-9A05-535CE5D8A410}"/>
+              </a:ext>
+            </a:extLst>
+          </p:cNvPr>
+          <p:cNvSpPr>
+            <a:spLocks noGrp="1"/>
+          </p:cNvSpPr>
+          <p:nvPr>
+            <p:ph type="body" sz="quarter" idx="25"/>
+          </p:nvPr>
+        </p:nvSpPr>
+        <p:spPr/>
+        <p:txBody>
+          <a:bodyPr/>
+          <a:lstStyle/>
+          <a:p>
+            <a:endParaRPr lang="de-AT"/>
+          </a:p>
+        </p:txBody>
+      </p:sp>
+      <p:sp>
+        <p:nvSpPr>
+          <p:cNvPr id="5" name="Fußzeilenplatzhalter 4">
+            <a:extLst>
+              <a:ext uri="{FF2B5EF4-FFF2-40B4-BE49-F238E27FC236}">
+                <a16:creationId xmlns:a16="http://schemas.microsoft.com/office/drawing/2014/main" id="{87AF9763-E460-46EF-9297-14BDEC6D3688}"/>
+              </a:ext>
+            </a:extLst>
+          </p:cNvPr>
+          <p:cNvSpPr>
+            <a:spLocks noGrp="1"/>
+          </p:cNvSpPr>
+          <p:nvPr>
+            <p:ph type="ftr" sz="quarter" idx="27"/>
+          </p:nvPr>
+        </p:nvSpPr>
+        <p:spPr/>
+        <p:txBody>
+          <a:bodyPr/>
+          <a:lstStyle/>
+          <a:p>
+            <a:r>
+              <a:rPr lang="de-AT" noProof="0"/>
+              <a:t>Platz für Autor und LVA-Nummer</a:t>
+            </a:r>
+            <a:endParaRPr lang="de-AT" noProof="0" dirty="0"/>
+          </a:p>
+        </p:txBody>
+      </p:sp>
+      <p:sp>
+        <p:nvSpPr>
+          <p:cNvPr id="6" name="Foliennummernplatzhalter 5">
+            <a:extLst>
+              <a:ext uri="{FF2B5EF4-FFF2-40B4-BE49-F238E27FC236}">
+                <a16:creationId xmlns:a16="http://schemas.microsoft.com/office/drawing/2014/main" id="{F45EB58D-355F-48D1-BD36-8BB480BC6DE6}"/>
+              </a:ext>
+            </a:extLst>
+          </p:cNvPr>
+          <p:cNvSpPr>
+            <a:spLocks noGrp="1"/>
+          </p:cNvSpPr>
+          <p:nvPr>
+            <p:ph type="sldNum" sz="quarter" idx="28"/>
+          </p:nvPr>
+        </p:nvSpPr>
+        <p:spPr/>
+        <p:txBody>
+          <a:bodyPr/>
+          <a:lstStyle/>
+          <a:p>
+            <a:fld id="{DFB297D7-21D1-0549-A74D-BD032133048A}" type="slidenum">
+              <a:rPr lang="en-US" smtClean="0"/>
+              <a:pPr/>
+              <a:t>13</a:t>
+            </a:fld>
+            <a:endParaRPr lang="en-US" dirty="0"/>
+          </a:p>
+        </p:txBody>
+      </p:sp>
+      <p:sp>
+        <p:nvSpPr>
+          <p:cNvPr id="7" name="Inhaltsplatzhalter 6">
+            <a:extLst>
+              <a:ext uri="{FF2B5EF4-FFF2-40B4-BE49-F238E27FC236}">
+                <a16:creationId xmlns:a16="http://schemas.microsoft.com/office/drawing/2014/main" id="{9416E8F8-3660-4EA8-B35D-480BC1BE4722}"/>
+              </a:ext>
+            </a:extLst>
+          </p:cNvPr>
+          <p:cNvSpPr>
+            <a:spLocks noGrp="1"/>
+          </p:cNvSpPr>
+          <p:nvPr>
+            <p:ph idx="1"/>
+          </p:nvPr>
+        </p:nvSpPr>
+        <p:spPr/>
+        <p:txBody>
+          <a:bodyPr/>
+          <a:lstStyle/>
+          <a:p>
+            <a:pPr marL="0" indent="0">
+              <a:buNone/>
+            </a:pPr>
+            <a:endParaRPr lang="de-DE" dirty="0"/>
+          </a:p>
+          <a:p>
+            <a:r>
+              <a:rPr lang="de-DE" dirty="0"/>
+              <a:t>Output Evaluierung</a:t>
+            </a:r>
+          </a:p>
+          <a:p>
+            <a:endParaRPr lang="de-DE" dirty="0"/>
+          </a:p>
+          <a:p>
+            <a:endParaRPr lang="de-DE" dirty="0"/>
+          </a:p>
+        </p:txBody>
+      </p:sp>
+      <p:pic>
+        <p:nvPicPr>
+          <p:cNvPr id="9" name="Grafik 8">
+            <a:extLst>
+              <a:ext uri="{FF2B5EF4-FFF2-40B4-BE49-F238E27FC236}">
+                <a16:creationId xmlns:a16="http://schemas.microsoft.com/office/drawing/2014/main" id="{4CC6EA6A-8417-4504-9484-92ED9FB267CE}"/>
+              </a:ext>
+            </a:extLst>
+          </p:cNvPr>
+          <p:cNvPicPr>
+            <a:picLocks noChangeAspect="1"/>
+          </p:cNvPicPr>
+          <p:nvPr/>
+        </p:nvPicPr>
+        <p:blipFill>
+          <a:blip r:embed="rId2"/>
+          <a:stretch>
+            <a:fillRect/>
+          </a:stretch>
+        </p:blipFill>
+        <p:spPr>
+          <a:xfrm>
+            <a:off x="824285" y="2915655"/>
+            <a:ext cx="4461467" cy="1218148"/>
+          </a:xfrm>
+          <a:prstGeom prst="rect">
+            <a:avLst/>
+          </a:prstGeom>
+        </p:spPr>
+      </p:pic>
+    </p:spTree>
+    <p:extLst>
+      <p:ext uri="{BB962C8B-B14F-4D97-AF65-F5344CB8AC3E}">
+        <p14:creationId xmlns:p14="http://schemas.microsoft.com/office/powerpoint/2010/main" val="966294164"/>
+      </p:ext>
+    </p:extLst>
+  </p:cSld>
+  <p:clrMapOvr>
+    <a:masterClrMapping/>
+  </p:clrMapOvr>
+</p:sld>
+</file>
+
+<file path=ppt/slides/slide14.xml><?xml version="1.0" encoding="utf-8"?>
+<p:sld xmlns:a="http://schemas.openxmlformats.org/drawingml/2006/main" xmlns:r="http://schemas.openxmlformats.org/officeDocument/2006/relationships" xmlns:p="http://schemas.openxmlformats.org/presentationml/2006/main">
+  <p:cSld>
+    <p:spTree>
+      <p:nvGrpSpPr>
+        <p:cNvPr id="1" name=""/>
+        <p:cNvGrpSpPr/>
+        <p:nvPr/>
+      </p:nvGrpSpPr>
+      <p:grpSpPr>
+        <a:xfrm>
+          <a:off x="0" y="0"/>
+          <a:ext cx="0" cy="0"/>
+          <a:chOff x="0" y="0"/>
+          <a:chExt cx="0" cy="0"/>
+        </a:xfrm>
+      </p:grpSpPr>
+      <p:sp>
+        <p:nvSpPr>
+          <p:cNvPr id="2" name="Titel 1">
+            <a:extLst>
+              <a:ext uri="{FF2B5EF4-FFF2-40B4-BE49-F238E27FC236}">
+                <a16:creationId xmlns:a16="http://schemas.microsoft.com/office/drawing/2014/main" id="{619EA41A-3C3C-4B2E-AD78-9849C6B5388C}"/>
+              </a:ext>
+            </a:extLst>
+          </p:cNvPr>
+          <p:cNvSpPr>
+            <a:spLocks noGrp="1"/>
+          </p:cNvSpPr>
+          <p:nvPr>
+            <p:ph type="title"/>
+          </p:nvPr>
+        </p:nvSpPr>
+        <p:spPr/>
+        <p:txBody>
+          <a:bodyPr/>
+          <a:lstStyle/>
+          <a:p>
+            <a:r>
+              <a:rPr lang="de-DE" dirty="0"/>
+              <a:t>Datenspeicherung</a:t>
+            </a:r>
+            <a:endParaRPr lang="de-AT" dirty="0"/>
+          </a:p>
+        </p:txBody>
+      </p:sp>
+      <p:sp>
+        <p:nvSpPr>
+          <p:cNvPr id="3" name="Bildplatzhalter 2">
+            <a:extLst>
+              <a:ext uri="{FF2B5EF4-FFF2-40B4-BE49-F238E27FC236}">
+                <a16:creationId xmlns:a16="http://schemas.microsoft.com/office/drawing/2014/main" id="{3417919A-52EE-4E33-9782-C6D0A2B7C879}"/>
+              </a:ext>
+            </a:extLst>
+          </p:cNvPr>
+          <p:cNvSpPr>
+            <a:spLocks noGrp="1"/>
+          </p:cNvSpPr>
+          <p:nvPr>
+            <p:ph type="pic" sz="quarter" idx="13"/>
+          </p:nvPr>
+        </p:nvSpPr>
+        <p:spPr/>
+      </p:sp>
+      <p:sp>
+        <p:nvSpPr>
+          <p:cNvPr id="4" name="Textplatzhalter 3">
+            <a:extLst>
+              <a:ext uri="{FF2B5EF4-FFF2-40B4-BE49-F238E27FC236}">
+                <a16:creationId xmlns:a16="http://schemas.microsoft.com/office/drawing/2014/main" id="{5B5C944B-F86B-49FC-A1DE-E7047F7B0341}"/>
+              </a:ext>
+            </a:extLst>
+          </p:cNvPr>
+          <p:cNvSpPr>
+            <a:spLocks noGrp="1"/>
+          </p:cNvSpPr>
+          <p:nvPr>
+            <p:ph type="body" sz="quarter" idx="25"/>
+          </p:nvPr>
+        </p:nvSpPr>
+        <p:spPr/>
+        <p:txBody>
+          <a:bodyPr/>
+          <a:lstStyle/>
+          <a:p>
+            <a:endParaRPr lang="de-AT"/>
+          </a:p>
+        </p:txBody>
+      </p:sp>
+      <p:sp>
+        <p:nvSpPr>
+          <p:cNvPr id="5" name="Fußzeilenplatzhalter 4">
+            <a:extLst>
+              <a:ext uri="{FF2B5EF4-FFF2-40B4-BE49-F238E27FC236}">
+                <a16:creationId xmlns:a16="http://schemas.microsoft.com/office/drawing/2014/main" id="{E07D1BC5-1A3D-449B-B943-8CD7A6E4FCA2}"/>
+              </a:ext>
+            </a:extLst>
+          </p:cNvPr>
+          <p:cNvSpPr>
+            <a:spLocks noGrp="1"/>
+          </p:cNvSpPr>
+          <p:nvPr>
+            <p:ph type="ftr" sz="quarter" idx="27"/>
+          </p:nvPr>
+        </p:nvSpPr>
+        <p:spPr/>
+        <p:txBody>
+          <a:bodyPr/>
+          <a:lstStyle/>
+          <a:p>
+            <a:r>
+              <a:rPr lang="de-AT" noProof="0"/>
+              <a:t>Platz für Autor und LVA-Nummer</a:t>
+            </a:r>
+            <a:endParaRPr lang="de-AT" noProof="0" dirty="0"/>
+          </a:p>
+        </p:txBody>
+      </p:sp>
+      <p:sp>
+        <p:nvSpPr>
+          <p:cNvPr id="6" name="Foliennummernplatzhalter 5">
+            <a:extLst>
+              <a:ext uri="{FF2B5EF4-FFF2-40B4-BE49-F238E27FC236}">
+                <a16:creationId xmlns:a16="http://schemas.microsoft.com/office/drawing/2014/main" id="{210A8531-AFFE-4A81-B847-3D3AD344738A}"/>
+              </a:ext>
+            </a:extLst>
+          </p:cNvPr>
+          <p:cNvSpPr>
+            <a:spLocks noGrp="1"/>
+          </p:cNvSpPr>
+          <p:nvPr>
+            <p:ph type="sldNum" sz="quarter" idx="28"/>
+          </p:nvPr>
+        </p:nvSpPr>
+        <p:spPr/>
+        <p:txBody>
+          <a:bodyPr/>
+          <a:lstStyle/>
+          <a:p>
+            <a:fld id="{DFB297D7-21D1-0549-A74D-BD032133048A}" type="slidenum">
+              <a:rPr lang="en-US" smtClean="0"/>
+              <a:pPr/>
+              <a:t>14</a:t>
+            </a:fld>
+            <a:endParaRPr lang="en-US" dirty="0"/>
+          </a:p>
+        </p:txBody>
+      </p:sp>
+      <p:sp>
+        <p:nvSpPr>
+          <p:cNvPr id="7" name="Inhaltsplatzhalter 6">
+            <a:extLst>
+              <a:ext uri="{FF2B5EF4-FFF2-40B4-BE49-F238E27FC236}">
+                <a16:creationId xmlns:a16="http://schemas.microsoft.com/office/drawing/2014/main" id="{931D9CC4-325C-480E-8392-345CE1B869D0}"/>
+              </a:ext>
+            </a:extLst>
+          </p:cNvPr>
+          <p:cNvSpPr>
+            <a:spLocks noGrp="1"/>
+          </p:cNvSpPr>
+          <p:nvPr>
+            <p:ph idx="1"/>
+          </p:nvPr>
+        </p:nvSpPr>
+        <p:spPr/>
+        <p:txBody>
+          <a:bodyPr/>
+          <a:lstStyle/>
+          <a:p>
+            <a:endParaRPr lang="de-AT"/>
+          </a:p>
+        </p:txBody>
+      </p:sp>
+    </p:spTree>
+    <p:extLst>
+      <p:ext uri="{BB962C8B-B14F-4D97-AF65-F5344CB8AC3E}">
+        <p14:creationId xmlns:p14="http://schemas.microsoft.com/office/powerpoint/2010/main" val="4125992851"/>
+      </p:ext>
+    </p:extLst>
+  </p:cSld>
+  <p:clrMapOvr>
+    <a:masterClrMapping/>
+  </p:clrMapOvr>
+</p:sld>
+</file>
+
+<file path=ppt/slides/slide15.xml><?xml version="1.0" encoding="utf-8"?>
+<p:sld xmlns:a="http://schemas.openxmlformats.org/drawingml/2006/main" xmlns:r="http://schemas.openxmlformats.org/officeDocument/2006/relationships" xmlns:p="http://schemas.openxmlformats.org/presentationml/2006/main">
+  <p:cSld>
+    <p:spTree>
+      <p:nvGrpSpPr>
+        <p:cNvPr id="1" name=""/>
+        <p:cNvGrpSpPr/>
+        <p:nvPr/>
+      </p:nvGrpSpPr>
+      <p:grpSpPr>
+        <a:xfrm>
+          <a:off x="0" y="0"/>
+          <a:ext cx="0" cy="0"/>
+          <a:chOff x="0" y="0"/>
+          <a:chExt cx="0" cy="0"/>
+        </a:xfrm>
+      </p:grpSpPr>
+      <p:sp>
+        <p:nvSpPr>
           <p:cNvPr id="6" name="Foliennummernplatzhalter 5">
             <a:extLst>
               <a:ext uri="{FF2B5EF4-FFF2-40B4-BE49-F238E27FC236}">
@@ -7187,7 +7720,7 @@
             <a:fld id="{DFB297D7-21D1-0549-A74D-BD032133048A}" type="slidenum">
               <a:rPr lang="en-US" smtClean="0"/>
               <a:pPr/>
-              <a:t>13</a:t>
+              <a:t>15</a:t>
             </a:fld>
             <a:endParaRPr lang="en-US" dirty="0"/>
           </a:p>

--- a/Dokumente/Abschlusspräsentation/Abschlusspräsentation.pptx
+++ b/Dokumente/Abschlusspräsentation/Abschlusspräsentation.pptx
@@ -5,10 +5,10 @@
     <p:sldMasterId id="2147483660" r:id="rId1"/>
   </p:sldMasterIdLst>
   <p:notesMasterIdLst>
-    <p:notesMasterId r:id="rId17"/>
+    <p:notesMasterId r:id="rId21"/>
   </p:notesMasterIdLst>
   <p:handoutMasterIdLst>
-    <p:handoutMasterId r:id="rId18"/>
+    <p:handoutMasterId r:id="rId22"/>
   </p:handoutMasterIdLst>
   <p:sldIdLst>
     <p:sldId id="257" r:id="rId2"/>
@@ -24,8 +24,12 @@
     <p:sldId id="289" r:id="rId12"/>
     <p:sldId id="291" r:id="rId13"/>
     <p:sldId id="292" r:id="rId14"/>
-    <p:sldId id="288" r:id="rId15"/>
-    <p:sldId id="275" r:id="rId16"/>
+    <p:sldId id="293" r:id="rId15"/>
+    <p:sldId id="288" r:id="rId16"/>
+    <p:sldId id="294" r:id="rId17"/>
+    <p:sldId id="295" r:id="rId18"/>
+    <p:sldId id="296" r:id="rId19"/>
+    <p:sldId id="275" r:id="rId20"/>
   </p:sldIdLst>
   <p:sldSz cx="9144000" cy="6858000" type="screen4x3"/>
   <p:notesSz cx="7102475" cy="10234613"/>
@@ -217,7 +221,7 @@
           <a:p>
             <a:fld id="{05E02316-A3A9-40CE-8399-988D8D269502}" type="datetimeFigureOut">
               <a:rPr lang="de-AT" smtClean="0"/>
-              <a:t>22.01.2019</a:t>
+              <a:t>23.01.2019</a:t>
             </a:fld>
             <a:endParaRPr lang="de-AT"/>
           </a:p>
@@ -382,7 +386,7 @@
           <a:p>
             <a:fld id="{F5E89DEF-C035-41A2-9AFE-A6026D4C04BE}" type="datetimeFigureOut">
               <a:rPr lang="de-AT" smtClean="0"/>
-              <a:t>22.01.2019</a:t>
+              <a:t>23.01.2019</a:t>
             </a:fld>
             <a:endParaRPr lang="de-AT"/>
           </a:p>
@@ -7510,7 +7514,7 @@
           <p:cNvPr id="2" name="Titel 1">
             <a:extLst>
               <a:ext uri="{FF2B5EF4-FFF2-40B4-BE49-F238E27FC236}">
-                <a16:creationId xmlns:a16="http://schemas.microsoft.com/office/drawing/2014/main" id="{619EA41A-3C3C-4B2E-AD78-9849C6B5388C}"/>
+                <a16:creationId xmlns:a16="http://schemas.microsoft.com/office/drawing/2014/main" id="{1F0EDF01-0ED2-4A5B-8ED3-59308913A8B9}"/>
               </a:ext>
             </a:extLst>
           </p:cNvPr>
@@ -7521,14 +7525,20 @@
             <p:ph type="title"/>
           </p:nvPr>
         </p:nvSpPr>
-        <p:spPr/>
-        <p:txBody>
-          <a:bodyPr/>
-          <a:lstStyle/>
-          <a:p>
+        <p:spPr>
+          <a:xfrm>
+            <a:off x="304452" y="1937078"/>
+            <a:ext cx="7938194" cy="938696"/>
+          </a:xfrm>
+        </p:spPr>
+        <p:txBody>
+          <a:bodyPr/>
+          <a:lstStyle/>
+          <a:p>
+            <a:pPr algn="ctr"/>
             <a:r>
               <a:rPr lang="de-DE" dirty="0"/>
-              <a:t>Datenspeicherung</a:t>
+              <a:t>RMI Code und Programm</a:t>
             </a:r>
             <a:endParaRPr lang="de-AT" dirty="0"/>
           </a:p>
@@ -7539,7 +7549,7 @@
           <p:cNvPr id="3" name="Bildplatzhalter 2">
             <a:extLst>
               <a:ext uri="{FF2B5EF4-FFF2-40B4-BE49-F238E27FC236}">
-                <a16:creationId xmlns:a16="http://schemas.microsoft.com/office/drawing/2014/main" id="{3417919A-52EE-4E33-9782-C6D0A2B7C879}"/>
+                <a16:creationId xmlns:a16="http://schemas.microsoft.com/office/drawing/2014/main" id="{7F925B3E-891E-4198-A540-265DF60D5497}"/>
               </a:ext>
             </a:extLst>
           </p:cNvPr>
@@ -7557,7 +7567,7 @@
           <p:cNvPr id="4" name="Textplatzhalter 3">
             <a:extLst>
               <a:ext uri="{FF2B5EF4-FFF2-40B4-BE49-F238E27FC236}">
-                <a16:creationId xmlns:a16="http://schemas.microsoft.com/office/drawing/2014/main" id="{5B5C944B-F86B-49FC-A1DE-E7047F7B0341}"/>
+                <a16:creationId xmlns:a16="http://schemas.microsoft.com/office/drawing/2014/main" id="{6705DBBC-F7C5-4BF7-8D5F-06D9772574B8}"/>
               </a:ext>
             </a:extLst>
           </p:cNvPr>
@@ -7582,7 +7592,7 @@
           <p:cNvPr id="5" name="Fußzeilenplatzhalter 4">
             <a:extLst>
               <a:ext uri="{FF2B5EF4-FFF2-40B4-BE49-F238E27FC236}">
-                <a16:creationId xmlns:a16="http://schemas.microsoft.com/office/drawing/2014/main" id="{E07D1BC5-1A3D-449B-B943-8CD7A6E4FCA2}"/>
+                <a16:creationId xmlns:a16="http://schemas.microsoft.com/office/drawing/2014/main" id="{F7C4599D-9B1E-445F-9D76-1165E847324D}"/>
               </a:ext>
             </a:extLst>
           </p:cNvPr>
@@ -7611,7 +7621,7 @@
           <p:cNvPr id="6" name="Foliennummernplatzhalter 5">
             <a:extLst>
               <a:ext uri="{FF2B5EF4-FFF2-40B4-BE49-F238E27FC236}">
-                <a16:creationId xmlns:a16="http://schemas.microsoft.com/office/drawing/2014/main" id="{210A8531-AFFE-4A81-B847-3D3AD344738A}"/>
+                <a16:creationId xmlns:a16="http://schemas.microsoft.com/office/drawing/2014/main" id="{6B256D95-BF70-43AB-87C8-5FC31AE45405}"/>
               </a:ext>
             </a:extLst>
           </p:cNvPr>
@@ -7638,33 +7648,230 @@
       </p:sp>
       <p:sp>
         <p:nvSpPr>
-          <p:cNvPr id="7" name="Inhaltsplatzhalter 6">
+          <p:cNvPr id="8" name="Textplatzhalter 3">
             <a:extLst>
               <a:ext uri="{FF2B5EF4-FFF2-40B4-BE49-F238E27FC236}">
-                <a16:creationId xmlns:a16="http://schemas.microsoft.com/office/drawing/2014/main" id="{931D9CC4-325C-480E-8392-345CE1B869D0}"/>
+                <a16:creationId xmlns:a16="http://schemas.microsoft.com/office/drawing/2014/main" id="{CD710AA8-DF93-42E9-ACC4-207D0C1FE7B1}"/>
               </a:ext>
             </a:extLst>
           </p:cNvPr>
-          <p:cNvSpPr>
-            <a:spLocks noGrp="1"/>
-          </p:cNvSpPr>
-          <p:nvPr>
-            <p:ph idx="1"/>
-          </p:nvPr>
-        </p:nvSpPr>
-        <p:spPr/>
-        <p:txBody>
-          <a:bodyPr/>
-          <a:lstStyle/>
-          <a:p>
-            <a:endParaRPr lang="de-AT"/>
+          <p:cNvSpPr txBox="1">
+            <a:spLocks/>
+          </p:cNvSpPr>
+          <p:nvPr/>
+        </p:nvSpPr>
+        <p:spPr>
+          <a:xfrm>
+            <a:off x="2548858" y="2950922"/>
+            <a:ext cx="3449383" cy="1130300"/>
+          </a:xfrm>
+          <a:prstGeom prst="rect">
+            <a:avLst/>
+          </a:prstGeom>
+        </p:spPr>
+        <p:txBody>
+          <a:bodyPr/>
+          <a:lstStyle>
+            <a:lvl1pPr marL="324000" indent="-324000" algn="l" defTabSz="914400" rtl="0" eaLnBrk="1" latinLnBrk="0" hangingPunct="1">
+              <a:lnSpc>
+                <a:spcPct val="105000"/>
+              </a:lnSpc>
+              <a:spcBef>
+                <a:spcPts val="0"/>
+              </a:spcBef>
+              <a:spcAft>
+                <a:spcPts val="600"/>
+              </a:spcAft>
+              <a:buSzPct val="90000"/>
+              <a:buFont typeface="Wingdings 2" panose="05020102010507070707" pitchFamily="18" charset="2"/>
+              <a:buChar char=""/>
+              <a:defRPr sz="2000" kern="1200">
+                <a:solidFill>
+                  <a:schemeClr val="tx1"/>
+                </a:solidFill>
+                <a:latin typeface="+mn-lt"/>
+                <a:ea typeface="+mn-ea"/>
+                <a:cs typeface="+mn-cs"/>
+              </a:defRPr>
+            </a:lvl1pPr>
+            <a:lvl2pPr marL="648000" indent="-324000" algn="l" defTabSz="914400" rtl="0" eaLnBrk="1" latinLnBrk="0" hangingPunct="1">
+              <a:lnSpc>
+                <a:spcPct val="105000"/>
+              </a:lnSpc>
+              <a:spcBef>
+                <a:spcPts val="0"/>
+              </a:spcBef>
+              <a:spcAft>
+                <a:spcPts val="600"/>
+              </a:spcAft>
+              <a:buSzPct val="90000"/>
+              <a:buFont typeface="Wingdings 2" panose="05020102010507070707" pitchFamily="18" charset="2"/>
+              <a:buChar char=""/>
+              <a:defRPr sz="1800" kern="1200">
+                <a:solidFill>
+                  <a:schemeClr val="tx1"/>
+                </a:solidFill>
+                <a:latin typeface="+mn-lt"/>
+                <a:ea typeface="+mn-ea"/>
+                <a:cs typeface="+mn-cs"/>
+              </a:defRPr>
+            </a:lvl2pPr>
+            <a:lvl3pPr marL="936000" indent="-288000" algn="l" defTabSz="914400" rtl="0" eaLnBrk="1" latinLnBrk="0" hangingPunct="1">
+              <a:lnSpc>
+                <a:spcPct val="105000"/>
+              </a:lnSpc>
+              <a:spcBef>
+                <a:spcPts val="0"/>
+              </a:spcBef>
+              <a:spcAft>
+                <a:spcPts val="600"/>
+              </a:spcAft>
+              <a:buFont typeface="Wingdings 2" panose="05020102010507070707" pitchFamily="18" charset="2"/>
+              <a:buChar char=""/>
+              <a:defRPr sz="1600" kern="1200">
+                <a:solidFill>
+                  <a:schemeClr val="tx1"/>
+                </a:solidFill>
+                <a:latin typeface="+mn-lt"/>
+                <a:ea typeface="+mn-ea"/>
+                <a:cs typeface="+mn-cs"/>
+              </a:defRPr>
+            </a:lvl3pPr>
+            <a:lvl4pPr marL="1224000" indent="-288000" algn="l" defTabSz="914400" rtl="0" eaLnBrk="1" latinLnBrk="0" hangingPunct="1">
+              <a:lnSpc>
+                <a:spcPct val="105000"/>
+              </a:lnSpc>
+              <a:spcBef>
+                <a:spcPts val="0"/>
+              </a:spcBef>
+              <a:spcAft>
+                <a:spcPts val="600"/>
+              </a:spcAft>
+              <a:buFont typeface="Wingdings 2" panose="05020102010507070707" pitchFamily="18" charset="2"/>
+              <a:buChar char=""/>
+              <a:defRPr sz="1500" kern="1200">
+                <a:solidFill>
+                  <a:schemeClr val="tx1"/>
+                </a:solidFill>
+                <a:latin typeface="+mn-lt"/>
+                <a:ea typeface="+mn-ea"/>
+                <a:cs typeface="+mn-cs"/>
+              </a:defRPr>
+            </a:lvl4pPr>
+            <a:lvl5pPr marL="1512000" indent="-288000" algn="l" defTabSz="914400" rtl="0" eaLnBrk="1" latinLnBrk="0" hangingPunct="1">
+              <a:lnSpc>
+                <a:spcPct val="105000"/>
+              </a:lnSpc>
+              <a:spcBef>
+                <a:spcPts val="0"/>
+              </a:spcBef>
+              <a:spcAft>
+                <a:spcPts val="600"/>
+              </a:spcAft>
+              <a:buFont typeface="Wingdings 2" panose="05020102010507070707" pitchFamily="18" charset="2"/>
+              <a:buChar char=""/>
+              <a:defRPr sz="1400" kern="1200">
+                <a:solidFill>
+                  <a:schemeClr val="tx1"/>
+                </a:solidFill>
+                <a:latin typeface="+mn-lt"/>
+                <a:ea typeface="+mn-ea"/>
+                <a:cs typeface="+mn-cs"/>
+              </a:defRPr>
+            </a:lvl5pPr>
+            <a:lvl6pPr marL="2514600" indent="-228600" algn="l" defTabSz="914400" rtl="0" eaLnBrk="1" latinLnBrk="0" hangingPunct="1">
+              <a:lnSpc>
+                <a:spcPct val="90000"/>
+              </a:lnSpc>
+              <a:spcBef>
+                <a:spcPts val="500"/>
+              </a:spcBef>
+              <a:buFont typeface="Arial" panose="020B0604020202020204" pitchFamily="34" charset="0"/>
+              <a:buChar char="•"/>
+              <a:defRPr sz="1800" kern="1200">
+                <a:solidFill>
+                  <a:schemeClr val="tx1"/>
+                </a:solidFill>
+                <a:latin typeface="+mn-lt"/>
+                <a:ea typeface="+mn-ea"/>
+                <a:cs typeface="+mn-cs"/>
+              </a:defRPr>
+            </a:lvl6pPr>
+            <a:lvl7pPr marL="2971800" indent="-228600" algn="l" defTabSz="914400" rtl="0" eaLnBrk="1" latinLnBrk="0" hangingPunct="1">
+              <a:lnSpc>
+                <a:spcPct val="90000"/>
+              </a:lnSpc>
+              <a:spcBef>
+                <a:spcPts val="500"/>
+              </a:spcBef>
+              <a:buFont typeface="Arial" panose="020B0604020202020204" pitchFamily="34" charset="0"/>
+              <a:buChar char="•"/>
+              <a:defRPr sz="1800" kern="1200">
+                <a:solidFill>
+                  <a:schemeClr val="tx1"/>
+                </a:solidFill>
+                <a:latin typeface="+mn-lt"/>
+                <a:ea typeface="+mn-ea"/>
+                <a:cs typeface="+mn-cs"/>
+              </a:defRPr>
+            </a:lvl7pPr>
+            <a:lvl8pPr marL="3429000" indent="-228600" algn="l" defTabSz="914400" rtl="0" eaLnBrk="1" latinLnBrk="0" hangingPunct="1">
+              <a:lnSpc>
+                <a:spcPct val="90000"/>
+              </a:lnSpc>
+              <a:spcBef>
+                <a:spcPts val="500"/>
+              </a:spcBef>
+              <a:buFont typeface="Arial" panose="020B0604020202020204" pitchFamily="34" charset="0"/>
+              <a:buChar char="•"/>
+              <a:defRPr sz="1800" kern="1200">
+                <a:solidFill>
+                  <a:schemeClr val="tx1"/>
+                </a:solidFill>
+                <a:latin typeface="+mn-lt"/>
+                <a:ea typeface="+mn-ea"/>
+                <a:cs typeface="+mn-cs"/>
+              </a:defRPr>
+            </a:lvl8pPr>
+            <a:lvl9pPr marL="3886200" indent="-228600" algn="l" defTabSz="914400" rtl="0" eaLnBrk="1" latinLnBrk="0" hangingPunct="1">
+              <a:lnSpc>
+                <a:spcPct val="90000"/>
+              </a:lnSpc>
+              <a:spcBef>
+                <a:spcPts val="500"/>
+              </a:spcBef>
+              <a:buFont typeface="Arial" panose="020B0604020202020204" pitchFamily="34" charset="0"/>
+              <a:buChar char="•"/>
+              <a:defRPr sz="1800" kern="1200">
+                <a:solidFill>
+                  <a:schemeClr val="tx1"/>
+                </a:solidFill>
+                <a:latin typeface="+mn-lt"/>
+                <a:ea typeface="+mn-ea"/>
+                <a:cs typeface="+mn-cs"/>
+              </a:defRPr>
+            </a:lvl9pPr>
+          </a:lstStyle>
+          <a:p>
+            <a:pPr marL="0" indent="0" algn="ctr">
+              <a:buNone/>
+            </a:pPr>
+            <a:r>
+              <a:rPr lang="de-DE" dirty="0"/>
+              <a:t>Demonstration in </a:t>
+            </a:r>
+            <a:r>
+              <a:rPr lang="de-DE" dirty="0" err="1"/>
+              <a:t>Eclipse</a:t>
+            </a:r>
+            <a:endParaRPr lang="de-AT" dirty="0"/>
           </a:p>
         </p:txBody>
       </p:sp>
     </p:spTree>
     <p:extLst>
       <p:ext uri="{BB962C8B-B14F-4D97-AF65-F5344CB8AC3E}">
-        <p14:creationId xmlns:p14="http://schemas.microsoft.com/office/powerpoint/2010/main" val="4125992851"/>
+        <p14:creationId xmlns:p14="http://schemas.microsoft.com/office/powerpoint/2010/main" val="2830806032"/>
       </p:ext>
     </p:extLst>
   </p:cSld>
@@ -7693,6 +7900,1111 @@
       </p:grpSpPr>
       <p:sp>
         <p:nvSpPr>
+          <p:cNvPr id="2" name="Titel 1">
+            <a:extLst>
+              <a:ext uri="{FF2B5EF4-FFF2-40B4-BE49-F238E27FC236}">
+                <a16:creationId xmlns:a16="http://schemas.microsoft.com/office/drawing/2014/main" id="{619EA41A-3C3C-4B2E-AD78-9849C6B5388C}"/>
+              </a:ext>
+            </a:extLst>
+          </p:cNvPr>
+          <p:cNvSpPr>
+            <a:spLocks noGrp="1"/>
+          </p:cNvSpPr>
+          <p:nvPr>
+            <p:ph type="title"/>
+          </p:nvPr>
+        </p:nvSpPr>
+        <p:spPr/>
+        <p:txBody>
+          <a:bodyPr/>
+          <a:lstStyle/>
+          <a:p>
+            <a:r>
+              <a:rPr lang="de-DE" dirty="0"/>
+              <a:t>Datenspeicherung</a:t>
+            </a:r>
+            <a:endParaRPr lang="de-AT" dirty="0"/>
+          </a:p>
+        </p:txBody>
+      </p:sp>
+      <p:sp>
+        <p:nvSpPr>
+          <p:cNvPr id="3" name="Bildplatzhalter 2">
+            <a:extLst>
+              <a:ext uri="{FF2B5EF4-FFF2-40B4-BE49-F238E27FC236}">
+                <a16:creationId xmlns:a16="http://schemas.microsoft.com/office/drawing/2014/main" id="{3417919A-52EE-4E33-9782-C6D0A2B7C879}"/>
+              </a:ext>
+            </a:extLst>
+          </p:cNvPr>
+          <p:cNvSpPr>
+            <a:spLocks noGrp="1"/>
+          </p:cNvSpPr>
+          <p:nvPr>
+            <p:ph type="pic" sz="quarter" idx="13"/>
+          </p:nvPr>
+        </p:nvSpPr>
+        <p:spPr/>
+      </p:sp>
+      <p:sp>
+        <p:nvSpPr>
+          <p:cNvPr id="4" name="Textplatzhalter 3">
+            <a:extLst>
+              <a:ext uri="{FF2B5EF4-FFF2-40B4-BE49-F238E27FC236}">
+                <a16:creationId xmlns:a16="http://schemas.microsoft.com/office/drawing/2014/main" id="{5B5C944B-F86B-49FC-A1DE-E7047F7B0341}"/>
+              </a:ext>
+            </a:extLst>
+          </p:cNvPr>
+          <p:cNvSpPr>
+            <a:spLocks noGrp="1"/>
+          </p:cNvSpPr>
+          <p:nvPr>
+            <p:ph type="body" sz="quarter" idx="25"/>
+          </p:nvPr>
+        </p:nvSpPr>
+        <p:spPr/>
+        <p:txBody>
+          <a:bodyPr/>
+          <a:lstStyle/>
+          <a:p>
+            <a:endParaRPr lang="de-AT"/>
+          </a:p>
+        </p:txBody>
+      </p:sp>
+      <p:sp>
+        <p:nvSpPr>
+          <p:cNvPr id="5" name="Fußzeilenplatzhalter 4">
+            <a:extLst>
+              <a:ext uri="{FF2B5EF4-FFF2-40B4-BE49-F238E27FC236}">
+                <a16:creationId xmlns:a16="http://schemas.microsoft.com/office/drawing/2014/main" id="{E07D1BC5-1A3D-449B-B943-8CD7A6E4FCA2}"/>
+              </a:ext>
+            </a:extLst>
+          </p:cNvPr>
+          <p:cNvSpPr>
+            <a:spLocks noGrp="1"/>
+          </p:cNvSpPr>
+          <p:nvPr>
+            <p:ph type="ftr" sz="quarter" idx="27"/>
+          </p:nvPr>
+        </p:nvSpPr>
+        <p:spPr/>
+        <p:txBody>
+          <a:bodyPr/>
+          <a:lstStyle/>
+          <a:p>
+            <a:r>
+              <a:rPr lang="de-AT" noProof="0"/>
+              <a:t>Platz für Autor und LVA-Nummer</a:t>
+            </a:r>
+            <a:endParaRPr lang="de-AT" noProof="0" dirty="0"/>
+          </a:p>
+        </p:txBody>
+      </p:sp>
+      <p:sp>
+        <p:nvSpPr>
+          <p:cNvPr id="6" name="Foliennummernplatzhalter 5">
+            <a:extLst>
+              <a:ext uri="{FF2B5EF4-FFF2-40B4-BE49-F238E27FC236}">
+                <a16:creationId xmlns:a16="http://schemas.microsoft.com/office/drawing/2014/main" id="{210A8531-AFFE-4A81-B847-3D3AD344738A}"/>
+              </a:ext>
+            </a:extLst>
+          </p:cNvPr>
+          <p:cNvSpPr>
+            <a:spLocks noGrp="1"/>
+          </p:cNvSpPr>
+          <p:nvPr>
+            <p:ph type="sldNum" sz="quarter" idx="28"/>
+          </p:nvPr>
+        </p:nvSpPr>
+        <p:spPr/>
+        <p:txBody>
+          <a:bodyPr/>
+          <a:lstStyle/>
+          <a:p>
+            <a:fld id="{DFB297D7-21D1-0549-A74D-BD032133048A}" type="slidenum">
+              <a:rPr lang="en-US" smtClean="0"/>
+              <a:pPr/>
+              <a:t>15</a:t>
+            </a:fld>
+            <a:endParaRPr lang="en-US" dirty="0"/>
+          </a:p>
+        </p:txBody>
+      </p:sp>
+      <p:sp>
+        <p:nvSpPr>
+          <p:cNvPr id="7" name="Inhaltsplatzhalter 6">
+            <a:extLst>
+              <a:ext uri="{FF2B5EF4-FFF2-40B4-BE49-F238E27FC236}">
+                <a16:creationId xmlns:a16="http://schemas.microsoft.com/office/drawing/2014/main" id="{931D9CC4-325C-480E-8392-345CE1B869D0}"/>
+              </a:ext>
+            </a:extLst>
+          </p:cNvPr>
+          <p:cNvSpPr>
+            <a:spLocks noGrp="1"/>
+          </p:cNvSpPr>
+          <p:nvPr>
+            <p:ph idx="1"/>
+          </p:nvPr>
+        </p:nvSpPr>
+        <p:spPr/>
+        <p:txBody>
+          <a:bodyPr/>
+          <a:lstStyle/>
+          <a:p>
+            <a:r>
+              <a:rPr lang="de-AT" dirty="0"/>
+              <a:t>Umsetzung mithilfe zweier Klassen</a:t>
+            </a:r>
+          </a:p>
+        </p:txBody>
+      </p:sp>
+      <p:pic>
+        <p:nvPicPr>
+          <p:cNvPr id="8" name="Grafik 7">
+            <a:extLst>
+              <a:ext uri="{FF2B5EF4-FFF2-40B4-BE49-F238E27FC236}">
+                <a16:creationId xmlns:a16="http://schemas.microsoft.com/office/drawing/2014/main" id="{3EA44A01-A9D8-474C-A906-670DEF180707}"/>
+              </a:ext>
+            </a:extLst>
+          </p:cNvPr>
+          <p:cNvPicPr>
+            <a:picLocks noChangeAspect="1"/>
+          </p:cNvPicPr>
+          <p:nvPr/>
+        </p:nvPicPr>
+        <p:blipFill>
+          <a:blip r:embed="rId2"/>
+          <a:stretch>
+            <a:fillRect/>
+          </a:stretch>
+        </p:blipFill>
+        <p:spPr>
+          <a:xfrm>
+            <a:off x="1456042" y="2537307"/>
+            <a:ext cx="2817508" cy="1072471"/>
+          </a:xfrm>
+          <a:prstGeom prst="rect">
+            <a:avLst/>
+          </a:prstGeom>
+        </p:spPr>
+      </p:pic>
+    </p:spTree>
+    <p:extLst>
+      <p:ext uri="{BB962C8B-B14F-4D97-AF65-F5344CB8AC3E}">
+        <p14:creationId xmlns:p14="http://schemas.microsoft.com/office/powerpoint/2010/main" val="4125992851"/>
+      </p:ext>
+    </p:extLst>
+  </p:cSld>
+  <p:clrMapOvr>
+    <a:masterClrMapping/>
+  </p:clrMapOvr>
+</p:sld>
+</file>
+
+<file path=ppt/slides/slide16.xml><?xml version="1.0" encoding="utf-8"?>
+<p:sld xmlns:a="http://schemas.openxmlformats.org/drawingml/2006/main" xmlns:r="http://schemas.openxmlformats.org/officeDocument/2006/relationships" xmlns:p="http://schemas.openxmlformats.org/presentationml/2006/main">
+  <p:cSld>
+    <p:spTree>
+      <p:nvGrpSpPr>
+        <p:cNvPr id="1" name=""/>
+        <p:cNvGrpSpPr/>
+        <p:nvPr/>
+      </p:nvGrpSpPr>
+      <p:grpSpPr>
+        <a:xfrm>
+          <a:off x="0" y="0"/>
+          <a:ext cx="0" cy="0"/>
+          <a:chOff x="0" y="0"/>
+          <a:chExt cx="0" cy="0"/>
+        </a:xfrm>
+      </p:grpSpPr>
+      <p:sp>
+        <p:nvSpPr>
+          <p:cNvPr id="2" name="Titel 1">
+            <a:extLst>
+              <a:ext uri="{FF2B5EF4-FFF2-40B4-BE49-F238E27FC236}">
+                <a16:creationId xmlns:a16="http://schemas.microsoft.com/office/drawing/2014/main" id="{619EA41A-3C3C-4B2E-AD78-9849C6B5388C}"/>
+              </a:ext>
+            </a:extLst>
+          </p:cNvPr>
+          <p:cNvSpPr>
+            <a:spLocks noGrp="1"/>
+          </p:cNvSpPr>
+          <p:nvPr>
+            <p:ph type="title"/>
+          </p:nvPr>
+        </p:nvSpPr>
+        <p:spPr/>
+        <p:txBody>
+          <a:bodyPr/>
+          <a:lstStyle/>
+          <a:p>
+            <a:r>
+              <a:rPr lang="de-DE" dirty="0"/>
+              <a:t>Datenspeicherung</a:t>
+            </a:r>
+            <a:endParaRPr lang="de-AT" dirty="0"/>
+          </a:p>
+        </p:txBody>
+      </p:sp>
+      <p:sp>
+        <p:nvSpPr>
+          <p:cNvPr id="3" name="Bildplatzhalter 2">
+            <a:extLst>
+              <a:ext uri="{FF2B5EF4-FFF2-40B4-BE49-F238E27FC236}">
+                <a16:creationId xmlns:a16="http://schemas.microsoft.com/office/drawing/2014/main" id="{3417919A-52EE-4E33-9782-C6D0A2B7C879}"/>
+              </a:ext>
+            </a:extLst>
+          </p:cNvPr>
+          <p:cNvSpPr>
+            <a:spLocks noGrp="1"/>
+          </p:cNvSpPr>
+          <p:nvPr>
+            <p:ph type="pic" sz="quarter" idx="13"/>
+          </p:nvPr>
+        </p:nvSpPr>
+        <p:spPr/>
+      </p:sp>
+      <p:sp>
+        <p:nvSpPr>
+          <p:cNvPr id="4" name="Textplatzhalter 3">
+            <a:extLst>
+              <a:ext uri="{FF2B5EF4-FFF2-40B4-BE49-F238E27FC236}">
+                <a16:creationId xmlns:a16="http://schemas.microsoft.com/office/drawing/2014/main" id="{5B5C944B-F86B-49FC-A1DE-E7047F7B0341}"/>
+              </a:ext>
+            </a:extLst>
+          </p:cNvPr>
+          <p:cNvSpPr>
+            <a:spLocks noGrp="1"/>
+          </p:cNvSpPr>
+          <p:nvPr>
+            <p:ph type="body" sz="quarter" idx="25"/>
+          </p:nvPr>
+        </p:nvSpPr>
+        <p:spPr/>
+        <p:txBody>
+          <a:bodyPr/>
+          <a:lstStyle/>
+          <a:p>
+            <a:endParaRPr lang="de-AT"/>
+          </a:p>
+        </p:txBody>
+      </p:sp>
+      <p:sp>
+        <p:nvSpPr>
+          <p:cNvPr id="5" name="Fußzeilenplatzhalter 4">
+            <a:extLst>
+              <a:ext uri="{FF2B5EF4-FFF2-40B4-BE49-F238E27FC236}">
+                <a16:creationId xmlns:a16="http://schemas.microsoft.com/office/drawing/2014/main" id="{E07D1BC5-1A3D-449B-B943-8CD7A6E4FCA2}"/>
+              </a:ext>
+            </a:extLst>
+          </p:cNvPr>
+          <p:cNvSpPr>
+            <a:spLocks noGrp="1"/>
+          </p:cNvSpPr>
+          <p:nvPr>
+            <p:ph type="ftr" sz="quarter" idx="27"/>
+          </p:nvPr>
+        </p:nvSpPr>
+        <p:spPr/>
+        <p:txBody>
+          <a:bodyPr/>
+          <a:lstStyle/>
+          <a:p>
+            <a:r>
+              <a:rPr lang="de-AT" noProof="0"/>
+              <a:t>Platz für Autor und LVA-Nummer</a:t>
+            </a:r>
+            <a:endParaRPr lang="de-AT" noProof="0" dirty="0"/>
+          </a:p>
+        </p:txBody>
+      </p:sp>
+      <p:sp>
+        <p:nvSpPr>
+          <p:cNvPr id="6" name="Foliennummernplatzhalter 5">
+            <a:extLst>
+              <a:ext uri="{FF2B5EF4-FFF2-40B4-BE49-F238E27FC236}">
+                <a16:creationId xmlns:a16="http://schemas.microsoft.com/office/drawing/2014/main" id="{210A8531-AFFE-4A81-B847-3D3AD344738A}"/>
+              </a:ext>
+            </a:extLst>
+          </p:cNvPr>
+          <p:cNvSpPr>
+            <a:spLocks noGrp="1"/>
+          </p:cNvSpPr>
+          <p:nvPr>
+            <p:ph type="sldNum" sz="quarter" idx="28"/>
+          </p:nvPr>
+        </p:nvSpPr>
+        <p:spPr/>
+        <p:txBody>
+          <a:bodyPr/>
+          <a:lstStyle/>
+          <a:p>
+            <a:fld id="{DFB297D7-21D1-0549-A74D-BD032133048A}" type="slidenum">
+              <a:rPr lang="en-US" smtClean="0"/>
+              <a:pPr/>
+              <a:t>16</a:t>
+            </a:fld>
+            <a:endParaRPr lang="en-US" dirty="0"/>
+          </a:p>
+        </p:txBody>
+      </p:sp>
+      <p:sp>
+        <p:nvSpPr>
+          <p:cNvPr id="7" name="Inhaltsplatzhalter 6">
+            <a:extLst>
+              <a:ext uri="{FF2B5EF4-FFF2-40B4-BE49-F238E27FC236}">
+                <a16:creationId xmlns:a16="http://schemas.microsoft.com/office/drawing/2014/main" id="{931D9CC4-325C-480E-8392-345CE1B869D0}"/>
+              </a:ext>
+            </a:extLst>
+          </p:cNvPr>
+          <p:cNvSpPr>
+            <a:spLocks noGrp="1"/>
+          </p:cNvSpPr>
+          <p:nvPr>
+            <p:ph idx="1"/>
+          </p:nvPr>
+        </p:nvSpPr>
+        <p:spPr/>
+        <p:txBody>
+          <a:bodyPr/>
+          <a:lstStyle/>
+          <a:p>
+            <a:r>
+              <a:rPr lang="de-AT" dirty="0"/>
+              <a:t>Speicherung erfolgt nach Ermittlung aller Daten im Hauptprogramm</a:t>
+            </a:r>
+          </a:p>
+          <a:p>
+            <a:endParaRPr lang="de-AT" dirty="0"/>
+          </a:p>
+          <a:p>
+            <a:pPr lvl="1"/>
+            <a:r>
+              <a:rPr lang="de-AT" dirty="0" err="1"/>
+              <a:t>DB.SaveEntry.newCBR</a:t>
+            </a:r>
+            <a:r>
+              <a:rPr lang="de-AT" dirty="0"/>
+              <a:t>(</a:t>
+            </a:r>
+            <a:r>
+              <a:rPr lang="de-AT" dirty="0" err="1"/>
+              <a:t>cbrObject</a:t>
+            </a:r>
+            <a:r>
+              <a:rPr lang="de-AT" dirty="0"/>
+              <a:t>);</a:t>
+            </a:r>
+          </a:p>
+          <a:p>
+            <a:pPr lvl="1"/>
+            <a:r>
+              <a:rPr lang="de-AT" dirty="0" err="1"/>
+              <a:t>DB.DBSaveEntry.newRMI</a:t>
+            </a:r>
+            <a:r>
+              <a:rPr lang="de-AT" dirty="0"/>
+              <a:t>(</a:t>
+            </a:r>
+            <a:r>
+              <a:rPr lang="de-AT" dirty="0" err="1"/>
+              <a:t>rmiObject</a:t>
+            </a:r>
+            <a:r>
+              <a:rPr lang="de-AT" dirty="0"/>
+              <a:t>);</a:t>
+            </a:r>
+          </a:p>
+        </p:txBody>
+      </p:sp>
+    </p:spTree>
+    <p:extLst>
+      <p:ext uri="{BB962C8B-B14F-4D97-AF65-F5344CB8AC3E}">
+        <p14:creationId xmlns:p14="http://schemas.microsoft.com/office/powerpoint/2010/main" val="2111513015"/>
+      </p:ext>
+    </p:extLst>
+  </p:cSld>
+  <p:clrMapOvr>
+    <a:masterClrMapping/>
+  </p:clrMapOvr>
+</p:sld>
+</file>
+
+<file path=ppt/slides/slide17.xml><?xml version="1.0" encoding="utf-8"?>
+<p:sld xmlns:a="http://schemas.openxmlformats.org/drawingml/2006/main" xmlns:r="http://schemas.openxmlformats.org/officeDocument/2006/relationships" xmlns:p="http://schemas.openxmlformats.org/presentationml/2006/main">
+  <p:cSld>
+    <p:spTree>
+      <p:nvGrpSpPr>
+        <p:cNvPr id="1" name=""/>
+        <p:cNvGrpSpPr/>
+        <p:nvPr/>
+      </p:nvGrpSpPr>
+      <p:grpSpPr>
+        <a:xfrm>
+          <a:off x="0" y="0"/>
+          <a:ext cx="0" cy="0"/>
+          <a:chOff x="0" y="0"/>
+          <a:chExt cx="0" cy="0"/>
+        </a:xfrm>
+      </p:grpSpPr>
+      <p:sp>
+        <p:nvSpPr>
+          <p:cNvPr id="2" name="Titel 1">
+            <a:extLst>
+              <a:ext uri="{FF2B5EF4-FFF2-40B4-BE49-F238E27FC236}">
+                <a16:creationId xmlns:a16="http://schemas.microsoft.com/office/drawing/2014/main" id="{619EA41A-3C3C-4B2E-AD78-9849C6B5388C}"/>
+              </a:ext>
+            </a:extLst>
+          </p:cNvPr>
+          <p:cNvSpPr>
+            <a:spLocks noGrp="1"/>
+          </p:cNvSpPr>
+          <p:nvPr>
+            <p:ph type="title"/>
+          </p:nvPr>
+        </p:nvSpPr>
+        <p:spPr/>
+        <p:txBody>
+          <a:bodyPr/>
+          <a:lstStyle/>
+          <a:p>
+            <a:r>
+              <a:rPr lang="de-DE" dirty="0"/>
+              <a:t>Datenspeicherung</a:t>
+            </a:r>
+            <a:endParaRPr lang="de-AT" dirty="0"/>
+          </a:p>
+        </p:txBody>
+      </p:sp>
+      <p:sp>
+        <p:nvSpPr>
+          <p:cNvPr id="3" name="Bildplatzhalter 2">
+            <a:extLst>
+              <a:ext uri="{FF2B5EF4-FFF2-40B4-BE49-F238E27FC236}">
+                <a16:creationId xmlns:a16="http://schemas.microsoft.com/office/drawing/2014/main" id="{3417919A-52EE-4E33-9782-C6D0A2B7C879}"/>
+              </a:ext>
+            </a:extLst>
+          </p:cNvPr>
+          <p:cNvSpPr>
+            <a:spLocks noGrp="1"/>
+          </p:cNvSpPr>
+          <p:nvPr>
+            <p:ph type="pic" sz="quarter" idx="13"/>
+          </p:nvPr>
+        </p:nvSpPr>
+        <p:spPr/>
+      </p:sp>
+      <p:sp>
+        <p:nvSpPr>
+          <p:cNvPr id="4" name="Textplatzhalter 3">
+            <a:extLst>
+              <a:ext uri="{FF2B5EF4-FFF2-40B4-BE49-F238E27FC236}">
+                <a16:creationId xmlns:a16="http://schemas.microsoft.com/office/drawing/2014/main" id="{5B5C944B-F86B-49FC-A1DE-E7047F7B0341}"/>
+              </a:ext>
+            </a:extLst>
+          </p:cNvPr>
+          <p:cNvSpPr>
+            <a:spLocks noGrp="1"/>
+          </p:cNvSpPr>
+          <p:nvPr>
+            <p:ph type="body" sz="quarter" idx="25"/>
+          </p:nvPr>
+        </p:nvSpPr>
+        <p:spPr/>
+        <p:txBody>
+          <a:bodyPr/>
+          <a:lstStyle/>
+          <a:p>
+            <a:endParaRPr lang="de-AT"/>
+          </a:p>
+        </p:txBody>
+      </p:sp>
+      <p:sp>
+        <p:nvSpPr>
+          <p:cNvPr id="5" name="Fußzeilenplatzhalter 4">
+            <a:extLst>
+              <a:ext uri="{FF2B5EF4-FFF2-40B4-BE49-F238E27FC236}">
+                <a16:creationId xmlns:a16="http://schemas.microsoft.com/office/drawing/2014/main" id="{E07D1BC5-1A3D-449B-B943-8CD7A6E4FCA2}"/>
+              </a:ext>
+            </a:extLst>
+          </p:cNvPr>
+          <p:cNvSpPr>
+            <a:spLocks noGrp="1"/>
+          </p:cNvSpPr>
+          <p:nvPr>
+            <p:ph type="ftr" sz="quarter" idx="27"/>
+          </p:nvPr>
+        </p:nvSpPr>
+        <p:spPr/>
+        <p:txBody>
+          <a:bodyPr/>
+          <a:lstStyle/>
+          <a:p>
+            <a:r>
+              <a:rPr lang="de-AT" noProof="0"/>
+              <a:t>Platz für Autor und LVA-Nummer</a:t>
+            </a:r>
+            <a:endParaRPr lang="de-AT" noProof="0" dirty="0"/>
+          </a:p>
+        </p:txBody>
+      </p:sp>
+      <p:sp>
+        <p:nvSpPr>
+          <p:cNvPr id="6" name="Foliennummernplatzhalter 5">
+            <a:extLst>
+              <a:ext uri="{FF2B5EF4-FFF2-40B4-BE49-F238E27FC236}">
+                <a16:creationId xmlns:a16="http://schemas.microsoft.com/office/drawing/2014/main" id="{210A8531-AFFE-4A81-B847-3D3AD344738A}"/>
+              </a:ext>
+            </a:extLst>
+          </p:cNvPr>
+          <p:cNvSpPr>
+            <a:spLocks noGrp="1"/>
+          </p:cNvSpPr>
+          <p:nvPr>
+            <p:ph type="sldNum" sz="quarter" idx="28"/>
+          </p:nvPr>
+        </p:nvSpPr>
+        <p:spPr/>
+        <p:txBody>
+          <a:bodyPr/>
+          <a:lstStyle/>
+          <a:p>
+            <a:fld id="{DFB297D7-21D1-0549-A74D-BD032133048A}" type="slidenum">
+              <a:rPr lang="en-US" smtClean="0"/>
+              <a:pPr/>
+              <a:t>17</a:t>
+            </a:fld>
+            <a:endParaRPr lang="en-US" dirty="0"/>
+          </a:p>
+        </p:txBody>
+      </p:sp>
+      <p:sp>
+        <p:nvSpPr>
+          <p:cNvPr id="7" name="Inhaltsplatzhalter 6">
+            <a:extLst>
+              <a:ext uri="{FF2B5EF4-FFF2-40B4-BE49-F238E27FC236}">
+                <a16:creationId xmlns:a16="http://schemas.microsoft.com/office/drawing/2014/main" id="{931D9CC4-325C-480E-8392-345CE1B869D0}"/>
+              </a:ext>
+            </a:extLst>
+          </p:cNvPr>
+          <p:cNvSpPr>
+            <a:spLocks noGrp="1"/>
+          </p:cNvSpPr>
+          <p:nvPr>
+            <p:ph idx="1"/>
+          </p:nvPr>
+        </p:nvSpPr>
+        <p:spPr/>
+        <p:txBody>
+          <a:bodyPr/>
+          <a:lstStyle/>
+          <a:p>
+            <a:r>
+              <a:rPr lang="de-AT" dirty="0"/>
+              <a:t>CBR</a:t>
+            </a:r>
+          </a:p>
+          <a:p>
+            <a:endParaRPr lang="de-AT" dirty="0"/>
+          </a:p>
+          <a:p>
+            <a:endParaRPr lang="de-AT" dirty="0"/>
+          </a:p>
+          <a:p>
+            <a:endParaRPr lang="de-AT" dirty="0"/>
+          </a:p>
+          <a:p>
+            <a:endParaRPr lang="de-AT" dirty="0"/>
+          </a:p>
+          <a:p>
+            <a:r>
+              <a:rPr lang="de-AT" dirty="0"/>
+              <a:t>RMI</a:t>
+            </a:r>
+          </a:p>
+        </p:txBody>
+      </p:sp>
+      <p:pic>
+        <p:nvPicPr>
+          <p:cNvPr id="10" name="Grafik 9">
+            <a:extLst>
+              <a:ext uri="{FF2B5EF4-FFF2-40B4-BE49-F238E27FC236}">
+                <a16:creationId xmlns:a16="http://schemas.microsoft.com/office/drawing/2014/main" id="{42AFA192-BA1C-45B4-A761-8E859E10BB75}"/>
+              </a:ext>
+            </a:extLst>
+          </p:cNvPr>
+          <p:cNvPicPr>
+            <a:picLocks noChangeAspect="1"/>
+          </p:cNvPicPr>
+          <p:nvPr/>
+        </p:nvPicPr>
+        <p:blipFill>
+          <a:blip r:embed="rId2"/>
+          <a:stretch>
+            <a:fillRect/>
+          </a:stretch>
+        </p:blipFill>
+        <p:spPr>
+          <a:xfrm>
+            <a:off x="446826" y="2253567"/>
+            <a:ext cx="7705725" cy="1104900"/>
+          </a:xfrm>
+          <a:prstGeom prst="rect">
+            <a:avLst/>
+          </a:prstGeom>
+        </p:spPr>
+      </p:pic>
+      <p:pic>
+        <p:nvPicPr>
+          <p:cNvPr id="11" name="Grafik 10">
+            <a:extLst>
+              <a:ext uri="{FF2B5EF4-FFF2-40B4-BE49-F238E27FC236}">
+                <a16:creationId xmlns:a16="http://schemas.microsoft.com/office/drawing/2014/main" id="{533965A4-D953-4C29-A0D4-39BB8B9B3279}"/>
+              </a:ext>
+            </a:extLst>
+          </p:cNvPr>
+          <p:cNvPicPr>
+            <a:picLocks noChangeAspect="1"/>
+          </p:cNvPicPr>
+          <p:nvPr/>
+        </p:nvPicPr>
+        <p:blipFill>
+          <a:blip r:embed="rId3"/>
+          <a:stretch>
+            <a:fillRect/>
+          </a:stretch>
+        </p:blipFill>
+        <p:spPr>
+          <a:xfrm>
+            <a:off x="446826" y="4683952"/>
+            <a:ext cx="8601075" cy="571500"/>
+          </a:xfrm>
+          <a:prstGeom prst="rect">
+            <a:avLst/>
+          </a:prstGeom>
+        </p:spPr>
+      </p:pic>
+    </p:spTree>
+    <p:extLst>
+      <p:ext uri="{BB962C8B-B14F-4D97-AF65-F5344CB8AC3E}">
+        <p14:creationId xmlns:p14="http://schemas.microsoft.com/office/powerpoint/2010/main" val="3264599510"/>
+      </p:ext>
+    </p:extLst>
+  </p:cSld>
+  <p:clrMapOvr>
+    <a:masterClrMapping/>
+  </p:clrMapOvr>
+</p:sld>
+</file>
+
+<file path=ppt/slides/slide18.xml><?xml version="1.0" encoding="utf-8"?>
+<p:sld xmlns:a="http://schemas.openxmlformats.org/drawingml/2006/main" xmlns:r="http://schemas.openxmlformats.org/officeDocument/2006/relationships" xmlns:p="http://schemas.openxmlformats.org/presentationml/2006/main">
+  <p:cSld>
+    <p:spTree>
+      <p:nvGrpSpPr>
+        <p:cNvPr id="1" name=""/>
+        <p:cNvGrpSpPr/>
+        <p:nvPr/>
+      </p:nvGrpSpPr>
+      <p:grpSpPr>
+        <a:xfrm>
+          <a:off x="0" y="0"/>
+          <a:ext cx="0" cy="0"/>
+          <a:chOff x="0" y="0"/>
+          <a:chExt cx="0" cy="0"/>
+        </a:xfrm>
+      </p:grpSpPr>
+      <p:sp>
+        <p:nvSpPr>
+          <p:cNvPr id="2" name="Titel 1">
+            <a:extLst>
+              <a:ext uri="{FF2B5EF4-FFF2-40B4-BE49-F238E27FC236}">
+                <a16:creationId xmlns:a16="http://schemas.microsoft.com/office/drawing/2014/main" id="{1F0EDF01-0ED2-4A5B-8ED3-59308913A8B9}"/>
+              </a:ext>
+            </a:extLst>
+          </p:cNvPr>
+          <p:cNvSpPr>
+            <a:spLocks noGrp="1"/>
+          </p:cNvSpPr>
+          <p:nvPr>
+            <p:ph type="title"/>
+          </p:nvPr>
+        </p:nvSpPr>
+        <p:spPr>
+          <a:xfrm>
+            <a:off x="304452" y="1937078"/>
+            <a:ext cx="7938194" cy="938696"/>
+          </a:xfrm>
+        </p:spPr>
+        <p:txBody>
+          <a:bodyPr/>
+          <a:lstStyle/>
+          <a:p>
+            <a:pPr algn="ctr"/>
+            <a:r>
+              <a:rPr lang="de-DE" dirty="0"/>
+              <a:t>Datenspeicherung Code und Programm</a:t>
+            </a:r>
+            <a:endParaRPr lang="de-AT" dirty="0"/>
+          </a:p>
+        </p:txBody>
+      </p:sp>
+      <p:sp>
+        <p:nvSpPr>
+          <p:cNvPr id="3" name="Bildplatzhalter 2">
+            <a:extLst>
+              <a:ext uri="{FF2B5EF4-FFF2-40B4-BE49-F238E27FC236}">
+                <a16:creationId xmlns:a16="http://schemas.microsoft.com/office/drawing/2014/main" id="{7F925B3E-891E-4198-A540-265DF60D5497}"/>
+              </a:ext>
+            </a:extLst>
+          </p:cNvPr>
+          <p:cNvSpPr>
+            <a:spLocks noGrp="1"/>
+          </p:cNvSpPr>
+          <p:nvPr>
+            <p:ph type="pic" sz="quarter" idx="13"/>
+          </p:nvPr>
+        </p:nvSpPr>
+        <p:spPr/>
+      </p:sp>
+      <p:sp>
+        <p:nvSpPr>
+          <p:cNvPr id="4" name="Textplatzhalter 3">
+            <a:extLst>
+              <a:ext uri="{FF2B5EF4-FFF2-40B4-BE49-F238E27FC236}">
+                <a16:creationId xmlns:a16="http://schemas.microsoft.com/office/drawing/2014/main" id="{6705DBBC-F7C5-4BF7-8D5F-06D9772574B8}"/>
+              </a:ext>
+            </a:extLst>
+          </p:cNvPr>
+          <p:cNvSpPr>
+            <a:spLocks noGrp="1"/>
+          </p:cNvSpPr>
+          <p:nvPr>
+            <p:ph type="body" sz="quarter" idx="25"/>
+          </p:nvPr>
+        </p:nvSpPr>
+        <p:spPr/>
+        <p:txBody>
+          <a:bodyPr/>
+          <a:lstStyle/>
+          <a:p>
+            <a:endParaRPr lang="de-AT"/>
+          </a:p>
+        </p:txBody>
+      </p:sp>
+      <p:sp>
+        <p:nvSpPr>
+          <p:cNvPr id="5" name="Fußzeilenplatzhalter 4">
+            <a:extLst>
+              <a:ext uri="{FF2B5EF4-FFF2-40B4-BE49-F238E27FC236}">
+                <a16:creationId xmlns:a16="http://schemas.microsoft.com/office/drawing/2014/main" id="{F7C4599D-9B1E-445F-9D76-1165E847324D}"/>
+              </a:ext>
+            </a:extLst>
+          </p:cNvPr>
+          <p:cNvSpPr>
+            <a:spLocks noGrp="1"/>
+          </p:cNvSpPr>
+          <p:nvPr>
+            <p:ph type="ftr" sz="quarter" idx="27"/>
+          </p:nvPr>
+        </p:nvSpPr>
+        <p:spPr/>
+        <p:txBody>
+          <a:bodyPr/>
+          <a:lstStyle/>
+          <a:p>
+            <a:r>
+              <a:rPr lang="de-AT" noProof="0"/>
+              <a:t>Platz für Autor und LVA-Nummer</a:t>
+            </a:r>
+            <a:endParaRPr lang="de-AT" noProof="0" dirty="0"/>
+          </a:p>
+        </p:txBody>
+      </p:sp>
+      <p:sp>
+        <p:nvSpPr>
+          <p:cNvPr id="6" name="Foliennummernplatzhalter 5">
+            <a:extLst>
+              <a:ext uri="{FF2B5EF4-FFF2-40B4-BE49-F238E27FC236}">
+                <a16:creationId xmlns:a16="http://schemas.microsoft.com/office/drawing/2014/main" id="{6B256D95-BF70-43AB-87C8-5FC31AE45405}"/>
+              </a:ext>
+            </a:extLst>
+          </p:cNvPr>
+          <p:cNvSpPr>
+            <a:spLocks noGrp="1"/>
+          </p:cNvSpPr>
+          <p:nvPr>
+            <p:ph type="sldNum" sz="quarter" idx="28"/>
+          </p:nvPr>
+        </p:nvSpPr>
+        <p:spPr/>
+        <p:txBody>
+          <a:bodyPr/>
+          <a:lstStyle/>
+          <a:p>
+            <a:fld id="{DFB297D7-21D1-0549-A74D-BD032133048A}" type="slidenum">
+              <a:rPr lang="en-US" smtClean="0"/>
+              <a:pPr/>
+              <a:t>18</a:t>
+            </a:fld>
+            <a:endParaRPr lang="en-US" dirty="0"/>
+          </a:p>
+        </p:txBody>
+      </p:sp>
+      <p:sp>
+        <p:nvSpPr>
+          <p:cNvPr id="8" name="Textplatzhalter 3">
+            <a:extLst>
+              <a:ext uri="{FF2B5EF4-FFF2-40B4-BE49-F238E27FC236}">
+                <a16:creationId xmlns:a16="http://schemas.microsoft.com/office/drawing/2014/main" id="{CD710AA8-DF93-42E9-ACC4-207D0C1FE7B1}"/>
+              </a:ext>
+            </a:extLst>
+          </p:cNvPr>
+          <p:cNvSpPr txBox="1">
+            <a:spLocks/>
+          </p:cNvSpPr>
+          <p:nvPr/>
+        </p:nvSpPr>
+        <p:spPr>
+          <a:xfrm>
+            <a:off x="2548858" y="2950922"/>
+            <a:ext cx="3449383" cy="1130300"/>
+          </a:xfrm>
+          <a:prstGeom prst="rect">
+            <a:avLst/>
+          </a:prstGeom>
+        </p:spPr>
+        <p:txBody>
+          <a:bodyPr/>
+          <a:lstStyle>
+            <a:lvl1pPr marL="324000" indent="-324000" algn="l" defTabSz="914400" rtl="0" eaLnBrk="1" latinLnBrk="0" hangingPunct="1">
+              <a:lnSpc>
+                <a:spcPct val="105000"/>
+              </a:lnSpc>
+              <a:spcBef>
+                <a:spcPts val="0"/>
+              </a:spcBef>
+              <a:spcAft>
+                <a:spcPts val="600"/>
+              </a:spcAft>
+              <a:buSzPct val="90000"/>
+              <a:buFont typeface="Wingdings 2" panose="05020102010507070707" pitchFamily="18" charset="2"/>
+              <a:buChar char=""/>
+              <a:defRPr sz="2000" kern="1200">
+                <a:solidFill>
+                  <a:schemeClr val="tx1"/>
+                </a:solidFill>
+                <a:latin typeface="+mn-lt"/>
+                <a:ea typeface="+mn-ea"/>
+                <a:cs typeface="+mn-cs"/>
+              </a:defRPr>
+            </a:lvl1pPr>
+            <a:lvl2pPr marL="648000" indent="-324000" algn="l" defTabSz="914400" rtl="0" eaLnBrk="1" latinLnBrk="0" hangingPunct="1">
+              <a:lnSpc>
+                <a:spcPct val="105000"/>
+              </a:lnSpc>
+              <a:spcBef>
+                <a:spcPts val="0"/>
+              </a:spcBef>
+              <a:spcAft>
+                <a:spcPts val="600"/>
+              </a:spcAft>
+              <a:buSzPct val="90000"/>
+              <a:buFont typeface="Wingdings 2" panose="05020102010507070707" pitchFamily="18" charset="2"/>
+              <a:buChar char=""/>
+              <a:defRPr sz="1800" kern="1200">
+                <a:solidFill>
+                  <a:schemeClr val="tx1"/>
+                </a:solidFill>
+                <a:latin typeface="+mn-lt"/>
+                <a:ea typeface="+mn-ea"/>
+                <a:cs typeface="+mn-cs"/>
+              </a:defRPr>
+            </a:lvl2pPr>
+            <a:lvl3pPr marL="936000" indent="-288000" algn="l" defTabSz="914400" rtl="0" eaLnBrk="1" latinLnBrk="0" hangingPunct="1">
+              <a:lnSpc>
+                <a:spcPct val="105000"/>
+              </a:lnSpc>
+              <a:spcBef>
+                <a:spcPts val="0"/>
+              </a:spcBef>
+              <a:spcAft>
+                <a:spcPts val="600"/>
+              </a:spcAft>
+              <a:buFont typeface="Wingdings 2" panose="05020102010507070707" pitchFamily="18" charset="2"/>
+              <a:buChar char=""/>
+              <a:defRPr sz="1600" kern="1200">
+                <a:solidFill>
+                  <a:schemeClr val="tx1"/>
+                </a:solidFill>
+                <a:latin typeface="+mn-lt"/>
+                <a:ea typeface="+mn-ea"/>
+                <a:cs typeface="+mn-cs"/>
+              </a:defRPr>
+            </a:lvl3pPr>
+            <a:lvl4pPr marL="1224000" indent="-288000" algn="l" defTabSz="914400" rtl="0" eaLnBrk="1" latinLnBrk="0" hangingPunct="1">
+              <a:lnSpc>
+                <a:spcPct val="105000"/>
+              </a:lnSpc>
+              <a:spcBef>
+                <a:spcPts val="0"/>
+              </a:spcBef>
+              <a:spcAft>
+                <a:spcPts val="600"/>
+              </a:spcAft>
+              <a:buFont typeface="Wingdings 2" panose="05020102010507070707" pitchFamily="18" charset="2"/>
+              <a:buChar char=""/>
+              <a:defRPr sz="1500" kern="1200">
+                <a:solidFill>
+                  <a:schemeClr val="tx1"/>
+                </a:solidFill>
+                <a:latin typeface="+mn-lt"/>
+                <a:ea typeface="+mn-ea"/>
+                <a:cs typeface="+mn-cs"/>
+              </a:defRPr>
+            </a:lvl4pPr>
+            <a:lvl5pPr marL="1512000" indent="-288000" algn="l" defTabSz="914400" rtl="0" eaLnBrk="1" latinLnBrk="0" hangingPunct="1">
+              <a:lnSpc>
+                <a:spcPct val="105000"/>
+              </a:lnSpc>
+              <a:spcBef>
+                <a:spcPts val="0"/>
+              </a:spcBef>
+              <a:spcAft>
+                <a:spcPts val="600"/>
+              </a:spcAft>
+              <a:buFont typeface="Wingdings 2" panose="05020102010507070707" pitchFamily="18" charset="2"/>
+              <a:buChar char=""/>
+              <a:defRPr sz="1400" kern="1200">
+                <a:solidFill>
+                  <a:schemeClr val="tx1"/>
+                </a:solidFill>
+                <a:latin typeface="+mn-lt"/>
+                <a:ea typeface="+mn-ea"/>
+                <a:cs typeface="+mn-cs"/>
+              </a:defRPr>
+            </a:lvl5pPr>
+            <a:lvl6pPr marL="2514600" indent="-228600" algn="l" defTabSz="914400" rtl="0" eaLnBrk="1" latinLnBrk="0" hangingPunct="1">
+              <a:lnSpc>
+                <a:spcPct val="90000"/>
+              </a:lnSpc>
+              <a:spcBef>
+                <a:spcPts val="500"/>
+              </a:spcBef>
+              <a:buFont typeface="Arial" panose="020B0604020202020204" pitchFamily="34" charset="0"/>
+              <a:buChar char="•"/>
+              <a:defRPr sz="1800" kern="1200">
+                <a:solidFill>
+                  <a:schemeClr val="tx1"/>
+                </a:solidFill>
+                <a:latin typeface="+mn-lt"/>
+                <a:ea typeface="+mn-ea"/>
+                <a:cs typeface="+mn-cs"/>
+              </a:defRPr>
+            </a:lvl6pPr>
+            <a:lvl7pPr marL="2971800" indent="-228600" algn="l" defTabSz="914400" rtl="0" eaLnBrk="1" latinLnBrk="0" hangingPunct="1">
+              <a:lnSpc>
+                <a:spcPct val="90000"/>
+              </a:lnSpc>
+              <a:spcBef>
+                <a:spcPts val="500"/>
+              </a:spcBef>
+              <a:buFont typeface="Arial" panose="020B0604020202020204" pitchFamily="34" charset="0"/>
+              <a:buChar char="•"/>
+              <a:defRPr sz="1800" kern="1200">
+                <a:solidFill>
+                  <a:schemeClr val="tx1"/>
+                </a:solidFill>
+                <a:latin typeface="+mn-lt"/>
+                <a:ea typeface="+mn-ea"/>
+                <a:cs typeface="+mn-cs"/>
+              </a:defRPr>
+            </a:lvl7pPr>
+            <a:lvl8pPr marL="3429000" indent="-228600" algn="l" defTabSz="914400" rtl="0" eaLnBrk="1" latinLnBrk="0" hangingPunct="1">
+              <a:lnSpc>
+                <a:spcPct val="90000"/>
+              </a:lnSpc>
+              <a:spcBef>
+                <a:spcPts val="500"/>
+              </a:spcBef>
+              <a:buFont typeface="Arial" panose="020B0604020202020204" pitchFamily="34" charset="0"/>
+              <a:buChar char="•"/>
+              <a:defRPr sz="1800" kern="1200">
+                <a:solidFill>
+                  <a:schemeClr val="tx1"/>
+                </a:solidFill>
+                <a:latin typeface="+mn-lt"/>
+                <a:ea typeface="+mn-ea"/>
+                <a:cs typeface="+mn-cs"/>
+              </a:defRPr>
+            </a:lvl8pPr>
+            <a:lvl9pPr marL="3886200" indent="-228600" algn="l" defTabSz="914400" rtl="0" eaLnBrk="1" latinLnBrk="0" hangingPunct="1">
+              <a:lnSpc>
+                <a:spcPct val="90000"/>
+              </a:lnSpc>
+              <a:spcBef>
+                <a:spcPts val="500"/>
+              </a:spcBef>
+              <a:buFont typeface="Arial" panose="020B0604020202020204" pitchFamily="34" charset="0"/>
+              <a:buChar char="•"/>
+              <a:defRPr sz="1800" kern="1200">
+                <a:solidFill>
+                  <a:schemeClr val="tx1"/>
+                </a:solidFill>
+                <a:latin typeface="+mn-lt"/>
+                <a:ea typeface="+mn-ea"/>
+                <a:cs typeface="+mn-cs"/>
+              </a:defRPr>
+            </a:lvl9pPr>
+          </a:lstStyle>
+          <a:p>
+            <a:pPr marL="0" indent="0" algn="ctr">
+              <a:buNone/>
+            </a:pPr>
+            <a:r>
+              <a:rPr lang="de-DE" dirty="0"/>
+              <a:t>Demonstration in </a:t>
+            </a:r>
+            <a:r>
+              <a:rPr lang="de-DE" dirty="0" err="1"/>
+              <a:t>Eclipse</a:t>
+            </a:r>
+            <a:endParaRPr lang="de-AT" dirty="0"/>
+          </a:p>
+        </p:txBody>
+      </p:sp>
+    </p:spTree>
+    <p:extLst>
+      <p:ext uri="{BB962C8B-B14F-4D97-AF65-F5344CB8AC3E}">
+        <p14:creationId xmlns:p14="http://schemas.microsoft.com/office/powerpoint/2010/main" val="528369945"/>
+      </p:ext>
+    </p:extLst>
+  </p:cSld>
+  <p:clrMapOvr>
+    <a:masterClrMapping/>
+  </p:clrMapOvr>
+</p:sld>
+</file>
+
+<file path=ppt/slides/slide19.xml><?xml version="1.0" encoding="utf-8"?>
+<p:sld xmlns:a="http://schemas.openxmlformats.org/drawingml/2006/main" xmlns:r="http://schemas.openxmlformats.org/officeDocument/2006/relationships" xmlns:p="http://schemas.openxmlformats.org/presentationml/2006/main">
+  <p:cSld>
+    <p:spTree>
+      <p:nvGrpSpPr>
+        <p:cNvPr id="1" name=""/>
+        <p:cNvGrpSpPr/>
+        <p:nvPr/>
+      </p:nvGrpSpPr>
+      <p:grpSpPr>
+        <a:xfrm>
+          <a:off x="0" y="0"/>
+          <a:ext cx="0" cy="0"/>
+          <a:chOff x="0" y="0"/>
+          <a:chExt cx="0" cy="0"/>
+        </a:xfrm>
+      </p:grpSpPr>
+      <p:sp>
+        <p:nvSpPr>
           <p:cNvPr id="6" name="Foliennummernplatzhalter 5">
             <a:extLst>
               <a:ext uri="{FF2B5EF4-FFF2-40B4-BE49-F238E27FC236}">
@@ -7720,7 +9032,7 @@
             <a:fld id="{DFB297D7-21D1-0549-A74D-BD032133048A}" type="slidenum">
               <a:rPr lang="en-US" smtClean="0"/>
               <a:pPr/>
-              <a:t>15</a:t>
+              <a:t>19</a:t>
             </a:fld>
             <a:endParaRPr lang="en-US" dirty="0"/>
           </a:p>
@@ -7946,29 +9258,28 @@
       </p:sp>
       <p:pic>
         <p:nvPicPr>
-          <p:cNvPr id="3" name="Inhaltsplatzhalter 2">
+          <p:cNvPr id="7" name="Grafik 6">
             <a:extLst>
               <a:ext uri="{FF2B5EF4-FFF2-40B4-BE49-F238E27FC236}">
-                <a16:creationId xmlns:a16="http://schemas.microsoft.com/office/drawing/2014/main" id="{EA4EF8EB-F4F7-4645-A9FB-CE478975F0F7}"/>
+                <a16:creationId xmlns:a16="http://schemas.microsoft.com/office/drawing/2014/main" id="{F3E31E0A-AB4B-4686-9E93-A9C5EC800B40}"/>
               </a:ext>
             </a:extLst>
           </p:cNvPr>
           <p:cNvPicPr>
-            <a:picLocks noGrp="1" noChangeAspect="1"/>
+            <a:picLocks noChangeAspect="1"/>
           </p:cNvPicPr>
-          <p:nvPr>
-            <p:ph idx="1"/>
-          </p:nvPr>
+          <p:nvPr/>
         </p:nvPicPr>
-        <p:blipFill rotWithShape="1">
+        <p:blipFill>
           <a:blip r:embed="rId2"/>
-          <a:srcRect l="1911"/>
-          <a:stretch/>
+          <a:stretch>
+            <a:fillRect/>
+          </a:stretch>
         </p:blipFill>
         <p:spPr>
           <a:xfrm>
-            <a:off x="2267713" y="1590396"/>
-            <a:ext cx="4608573" cy="4437328"/>
+            <a:off x="2104372" y="1429679"/>
+            <a:ext cx="4935255" cy="4776621"/>
           </a:xfrm>
           <a:prstGeom prst="rect">
             <a:avLst/>
